--- a/FINAL_REPORT.pptx
+++ b/FINAL_REPORT.pptx
@@ -123,6 +123,10 @@
     </p:ext>
   </p:extLst>
 </p:presentation>
+</file>
+
+<file path=ppt/revisionInfo.xml><?xml version="1.0" encoding="utf-8"?>
+<p1510:revInfo xmlns:a="http://schemas.openxmlformats.org/drawingml/2006/main" xmlns:r="http://schemas.openxmlformats.org/officeDocument/2006/relationships" xmlns:p1510="http://schemas.microsoft.com/office/powerpoint/2015/10/main"/>
 </file>
 
 <file path=ppt/slideLayouts/slideLayout1.xml><?xml version="1.0" encoding="utf-8"?>
@@ -707,7 +711,7 @@
           </a:lstStyle>
           <a:p>
             <a:r>
-              <a:rPr lang="en-US" smtClean="0"/>
+              <a:rPr lang="en-US"/>
               <a:t>Click to edit Master title style</a:t>
             </a:r>
             <a:endParaRPr lang="en-US" dirty="0"/>
@@ -827,7 +831,7 @@
           </a:lstStyle>
           <a:p>
             <a:r>
-              <a:rPr lang="en-US" smtClean="0"/>
+              <a:rPr lang="en-US"/>
               <a:t>Click to edit Master subtitle style</a:t>
             </a:r>
             <a:endParaRPr lang="en-US" dirty="0"/>
@@ -851,7 +855,7 @@
           <a:p>
             <a:fld id="{13E946C7-01FC-4EF8-A77B-74E28C2F1AC4}" type="datetimeFigureOut">
               <a:rPr lang="en-US" smtClean="0"/>
-              <a:t>2017-12-01</a:t>
+              <a:t>2017-12-04</a:t>
             </a:fld>
             <a:endParaRPr lang="en-US"/>
           </a:p>
@@ -956,7 +960,7 @@
           </a:lstStyle>
           <a:p>
             <a:r>
-              <a:rPr lang="en-US" smtClean="0"/>
+              <a:rPr lang="en-US"/>
               <a:t>Click to edit Master title style</a:t>
             </a:r>
             <a:endParaRPr lang="en-US" dirty="0"/>
@@ -1079,7 +1083,7 @@
           <a:p>
             <a:pPr lvl="0"/>
             <a:r>
-              <a:rPr lang="en-US" smtClean="0"/>
+              <a:rPr lang="en-US"/>
               <a:t>Edit Master text styles</a:t>
             </a:r>
           </a:p>
@@ -1102,7 +1106,7 @@
           <a:p>
             <a:fld id="{13E946C7-01FC-4EF8-A77B-74E28C2F1AC4}" type="datetimeFigureOut">
               <a:rPr lang="en-US" smtClean="0"/>
-              <a:t>2017-12-01</a:t>
+              <a:t>2017-12-04</a:t>
             </a:fld>
             <a:endParaRPr lang="en-US"/>
           </a:p>
@@ -1207,7 +1211,7 @@
           </a:lstStyle>
           <a:p>
             <a:r>
-              <a:rPr lang="en-US" smtClean="0"/>
+              <a:rPr lang="en-US"/>
               <a:t>Click to edit Master title style</a:t>
             </a:r>
             <a:endParaRPr lang="en-US" dirty="0"/>
@@ -1271,7 +1275,7 @@
           <a:p>
             <a:pPr lvl="0"/>
             <a:r>
-              <a:rPr lang="en-US" smtClean="0"/>
+              <a:rPr lang="en-US"/>
               <a:t>Edit Master text styles</a:t>
             </a:r>
           </a:p>
@@ -1393,7 +1397,7 @@
           <a:p>
             <a:pPr lvl="0"/>
             <a:r>
-              <a:rPr lang="en-US" smtClean="0"/>
+              <a:rPr lang="en-US"/>
               <a:t>Edit Master text styles</a:t>
             </a:r>
           </a:p>
@@ -1416,7 +1420,7 @@
           <a:p>
             <a:fld id="{13E946C7-01FC-4EF8-A77B-74E28C2F1AC4}" type="datetimeFigureOut">
               <a:rPr lang="en-US" smtClean="0"/>
-              <a:t>2017-12-01</a:t>
+              <a:t>2017-12-04</a:t>
             </a:fld>
             <a:endParaRPr lang="en-US"/>
           </a:p>
@@ -1597,7 +1601,7 @@
           </a:lstStyle>
           <a:p>
             <a:r>
-              <a:rPr lang="en-US" smtClean="0"/>
+              <a:rPr lang="en-US"/>
               <a:t>Click to edit Master title style</a:t>
             </a:r>
             <a:endParaRPr lang="en-US" dirty="0"/>
@@ -1720,7 +1724,7 @@
           <a:p>
             <a:pPr lvl="0"/>
             <a:r>
-              <a:rPr lang="en-US" smtClean="0"/>
+              <a:rPr lang="en-US"/>
               <a:t>Edit Master text styles</a:t>
             </a:r>
           </a:p>
@@ -1743,7 +1747,7 @@
           <a:p>
             <a:fld id="{13E946C7-01FC-4EF8-A77B-74E28C2F1AC4}" type="datetimeFigureOut">
               <a:rPr lang="en-US" smtClean="0"/>
-              <a:t>2017-12-01</a:t>
+              <a:t>2017-12-04</a:t>
             </a:fld>
             <a:endParaRPr lang="en-US"/>
           </a:p>
@@ -1848,7 +1852,7 @@
           </a:lstStyle>
           <a:p>
             <a:r>
-              <a:rPr lang="en-US" smtClean="0"/>
+              <a:rPr lang="en-US"/>
               <a:t>Click to edit Master title style</a:t>
             </a:r>
             <a:endParaRPr lang="en-US" dirty="0"/>
@@ -1912,7 +1916,7 @@
           <a:p>
             <a:pPr lvl="0"/>
             <a:r>
-              <a:rPr lang="en-US" smtClean="0"/>
+              <a:rPr lang="en-US"/>
               <a:t>Edit Master text styles</a:t>
             </a:r>
           </a:p>
@@ -2034,7 +2038,7 @@
           <a:p>
             <a:pPr lvl="0"/>
             <a:r>
-              <a:rPr lang="en-US" smtClean="0"/>
+              <a:rPr lang="en-US"/>
               <a:t>Edit Master text styles</a:t>
             </a:r>
           </a:p>
@@ -2057,7 +2061,7 @@
           <a:p>
             <a:fld id="{13E946C7-01FC-4EF8-A77B-74E28C2F1AC4}" type="datetimeFigureOut">
               <a:rPr lang="en-US" smtClean="0"/>
-              <a:t>2017-12-01</a:t>
+              <a:t>2017-12-04</a:t>
             </a:fld>
             <a:endParaRPr lang="en-US"/>
           </a:p>
@@ -2238,7 +2242,7 @@
           </a:lstStyle>
           <a:p>
             <a:r>
-              <a:rPr lang="en-US" smtClean="0"/>
+              <a:rPr lang="en-US"/>
               <a:t>Click to edit Master title style</a:t>
             </a:r>
             <a:endParaRPr lang="en-US" dirty="0"/>
@@ -2299,7 +2303,7 @@
           <a:p>
             <a:pPr lvl="0"/>
             <a:r>
-              <a:rPr lang="en-US" smtClean="0"/>
+              <a:rPr lang="en-US"/>
               <a:t>Edit Master text styles</a:t>
             </a:r>
           </a:p>
@@ -2421,7 +2425,7 @@
           <a:p>
             <a:pPr lvl="0"/>
             <a:r>
-              <a:rPr lang="en-US" smtClean="0"/>
+              <a:rPr lang="en-US"/>
               <a:t>Edit Master text styles</a:t>
             </a:r>
           </a:p>
@@ -2444,7 +2448,7 @@
           <a:p>
             <a:fld id="{13E946C7-01FC-4EF8-A77B-74E28C2F1AC4}" type="datetimeFigureOut">
               <a:rPr lang="en-US" smtClean="0"/>
-              <a:t>2017-12-01</a:t>
+              <a:t>2017-12-04</a:t>
             </a:fld>
             <a:endParaRPr lang="en-US"/>
           </a:p>
@@ -2538,7 +2542,7 @@
           <a:lstStyle/>
           <a:p>
             <a:r>
-              <a:rPr lang="en-US" smtClean="0"/>
+              <a:rPr lang="en-US"/>
               <a:t>Click to edit Master title style</a:t>
             </a:r>
             <a:endParaRPr lang="en-US" dirty="0"/>
@@ -2562,35 +2566,35 @@
           <a:p>
             <a:pPr lvl="0"/>
             <a:r>
-              <a:rPr lang="en-US" smtClean="0"/>
+              <a:rPr lang="en-US"/>
               <a:t>Edit Master text styles</a:t>
             </a:r>
           </a:p>
           <a:p>
             <a:pPr lvl="1"/>
             <a:r>
-              <a:rPr lang="en-US" smtClean="0"/>
+              <a:rPr lang="en-US"/>
               <a:t>Second level</a:t>
             </a:r>
           </a:p>
           <a:p>
             <a:pPr lvl="2"/>
             <a:r>
-              <a:rPr lang="en-US" smtClean="0"/>
+              <a:rPr lang="en-US"/>
               <a:t>Third level</a:t>
             </a:r>
           </a:p>
           <a:p>
             <a:pPr lvl="3"/>
             <a:r>
-              <a:rPr lang="en-US" smtClean="0"/>
+              <a:rPr lang="en-US"/>
               <a:t>Fourth level</a:t>
             </a:r>
           </a:p>
           <a:p>
             <a:pPr lvl="4"/>
             <a:r>
-              <a:rPr lang="en-US" smtClean="0"/>
+              <a:rPr lang="en-US"/>
               <a:t>Fifth level</a:t>
             </a:r>
             <a:endParaRPr lang="en-US" dirty="0"/>
@@ -2614,7 +2618,7 @@
           <a:p>
             <a:fld id="{13E946C7-01FC-4EF8-A77B-74E28C2F1AC4}" type="datetimeFigureOut">
               <a:rPr lang="en-US" smtClean="0"/>
-              <a:t>2017-12-01</a:t>
+              <a:t>2017-12-04</a:t>
             </a:fld>
             <a:endParaRPr lang="en-US"/>
           </a:p>
@@ -2713,7 +2717,7 @@
           <a:lstStyle/>
           <a:p>
             <a:r>
-              <a:rPr lang="en-US" smtClean="0"/>
+              <a:rPr lang="en-US"/>
               <a:t>Click to edit Master title style</a:t>
             </a:r>
             <a:endParaRPr lang="en-US" dirty="0"/>
@@ -2742,35 +2746,35 @@
           <a:p>
             <a:pPr lvl="0"/>
             <a:r>
-              <a:rPr lang="en-US" smtClean="0"/>
+              <a:rPr lang="en-US"/>
               <a:t>Edit Master text styles</a:t>
             </a:r>
           </a:p>
           <a:p>
             <a:pPr lvl="1"/>
             <a:r>
-              <a:rPr lang="en-US" smtClean="0"/>
+              <a:rPr lang="en-US"/>
               <a:t>Second level</a:t>
             </a:r>
           </a:p>
           <a:p>
             <a:pPr lvl="2"/>
             <a:r>
-              <a:rPr lang="en-US" smtClean="0"/>
+              <a:rPr lang="en-US"/>
               <a:t>Third level</a:t>
             </a:r>
           </a:p>
           <a:p>
             <a:pPr lvl="3"/>
             <a:r>
-              <a:rPr lang="en-US" smtClean="0"/>
+              <a:rPr lang="en-US"/>
               <a:t>Fourth level</a:t>
             </a:r>
           </a:p>
           <a:p>
             <a:pPr lvl="4"/>
             <a:r>
-              <a:rPr lang="en-US" smtClean="0"/>
+              <a:rPr lang="en-US"/>
               <a:t>Fifth level</a:t>
             </a:r>
             <a:endParaRPr lang="en-US" dirty="0"/>
@@ -2794,7 +2798,7 @@
           <a:p>
             <a:fld id="{13E946C7-01FC-4EF8-A77B-74E28C2F1AC4}" type="datetimeFigureOut">
               <a:rPr lang="en-US" smtClean="0"/>
-              <a:t>2017-12-01</a:t>
+              <a:t>2017-12-04</a:t>
             </a:fld>
             <a:endParaRPr lang="en-US"/>
           </a:p>
@@ -2888,7 +2892,7 @@
           <a:lstStyle/>
           <a:p>
             <a:r>
-              <a:rPr lang="en-US" smtClean="0"/>
+              <a:rPr lang="en-US"/>
               <a:t>Click to edit Master title style</a:t>
             </a:r>
             <a:endParaRPr lang="en-US" dirty="0"/>
@@ -2912,35 +2916,35 @@
           <a:p>
             <a:pPr lvl="0"/>
             <a:r>
-              <a:rPr lang="en-US" smtClean="0"/>
+              <a:rPr lang="en-US"/>
               <a:t>Edit Master text styles</a:t>
             </a:r>
           </a:p>
           <a:p>
             <a:pPr lvl="1"/>
             <a:r>
-              <a:rPr lang="en-US" smtClean="0"/>
+              <a:rPr lang="en-US"/>
               <a:t>Second level</a:t>
             </a:r>
           </a:p>
           <a:p>
             <a:pPr lvl="2"/>
             <a:r>
-              <a:rPr lang="en-US" smtClean="0"/>
+              <a:rPr lang="en-US"/>
               <a:t>Third level</a:t>
             </a:r>
           </a:p>
           <a:p>
             <a:pPr lvl="3"/>
             <a:r>
-              <a:rPr lang="en-US" smtClean="0"/>
+              <a:rPr lang="en-US"/>
               <a:t>Fourth level</a:t>
             </a:r>
           </a:p>
           <a:p>
             <a:pPr lvl="4"/>
             <a:r>
-              <a:rPr lang="en-US" smtClean="0"/>
+              <a:rPr lang="en-US"/>
               <a:t>Fifth level</a:t>
             </a:r>
             <a:endParaRPr lang="en-US" dirty="0"/>
@@ -2964,7 +2968,7 @@
           <a:p>
             <a:fld id="{13E946C7-01FC-4EF8-A77B-74E28C2F1AC4}" type="datetimeFigureOut">
               <a:rPr lang="en-US" smtClean="0"/>
-              <a:t>2017-12-01</a:t>
+              <a:t>2017-12-04</a:t>
             </a:fld>
             <a:endParaRPr lang="en-US"/>
           </a:p>
@@ -3067,7 +3071,7 @@
           </a:lstStyle>
           <a:p>
             <a:r>
-              <a:rPr lang="en-US" smtClean="0"/>
+              <a:rPr lang="en-US"/>
               <a:t>Click to edit Master title style</a:t>
             </a:r>
             <a:endParaRPr lang="en-US" dirty="0"/>
@@ -3188,7 +3192,7 @@
           <a:p>
             <a:pPr lvl="0"/>
             <a:r>
-              <a:rPr lang="en-US" smtClean="0"/>
+              <a:rPr lang="en-US"/>
               <a:t>Edit Master text styles</a:t>
             </a:r>
           </a:p>
@@ -3211,7 +3215,7 @@
           <a:p>
             <a:fld id="{13E946C7-01FC-4EF8-A77B-74E28C2F1AC4}" type="datetimeFigureOut">
               <a:rPr lang="en-US" smtClean="0"/>
-              <a:t>2017-12-01</a:t>
+              <a:t>2017-12-04</a:t>
             </a:fld>
             <a:endParaRPr lang="en-US"/>
           </a:p>
@@ -3305,7 +3309,7 @@
           <a:lstStyle/>
           <a:p>
             <a:r>
-              <a:rPr lang="en-US" smtClean="0"/>
+              <a:rPr lang="en-US"/>
               <a:t>Click to edit Master title style</a:t>
             </a:r>
             <a:endParaRPr lang="en-US" dirty="0"/>
@@ -3334,35 +3338,35 @@
           <a:p>
             <a:pPr lvl="0"/>
             <a:r>
-              <a:rPr lang="en-US" smtClean="0"/>
+              <a:rPr lang="en-US"/>
               <a:t>Edit Master text styles</a:t>
             </a:r>
           </a:p>
           <a:p>
             <a:pPr lvl="1"/>
             <a:r>
-              <a:rPr lang="en-US" smtClean="0"/>
+              <a:rPr lang="en-US"/>
               <a:t>Second level</a:t>
             </a:r>
           </a:p>
           <a:p>
             <a:pPr lvl="2"/>
             <a:r>
-              <a:rPr lang="en-US" smtClean="0"/>
+              <a:rPr lang="en-US"/>
               <a:t>Third level</a:t>
             </a:r>
           </a:p>
           <a:p>
             <a:pPr lvl="3"/>
             <a:r>
-              <a:rPr lang="en-US" smtClean="0"/>
+              <a:rPr lang="en-US"/>
               <a:t>Fourth level</a:t>
             </a:r>
           </a:p>
           <a:p>
             <a:pPr lvl="4"/>
             <a:r>
-              <a:rPr lang="en-US" smtClean="0"/>
+              <a:rPr lang="en-US"/>
               <a:t>Fifth level</a:t>
             </a:r>
             <a:endParaRPr lang="en-US" dirty="0"/>
@@ -3391,35 +3395,35 @@
           <a:p>
             <a:pPr lvl="0"/>
             <a:r>
-              <a:rPr lang="en-US" smtClean="0"/>
+              <a:rPr lang="en-US"/>
               <a:t>Edit Master text styles</a:t>
             </a:r>
           </a:p>
           <a:p>
             <a:pPr lvl="1"/>
             <a:r>
-              <a:rPr lang="en-US" smtClean="0"/>
+              <a:rPr lang="en-US"/>
               <a:t>Second level</a:t>
             </a:r>
           </a:p>
           <a:p>
             <a:pPr lvl="2"/>
             <a:r>
-              <a:rPr lang="en-US" smtClean="0"/>
+              <a:rPr lang="en-US"/>
               <a:t>Third level</a:t>
             </a:r>
           </a:p>
           <a:p>
             <a:pPr lvl="3"/>
             <a:r>
-              <a:rPr lang="en-US" smtClean="0"/>
+              <a:rPr lang="en-US"/>
               <a:t>Fourth level</a:t>
             </a:r>
           </a:p>
           <a:p>
             <a:pPr lvl="4"/>
             <a:r>
-              <a:rPr lang="en-US" smtClean="0"/>
+              <a:rPr lang="en-US"/>
               <a:t>Fifth level</a:t>
             </a:r>
             <a:endParaRPr lang="en-US" dirty="0"/>
@@ -3443,7 +3447,7 @@
           <a:p>
             <a:fld id="{13E946C7-01FC-4EF8-A77B-74E28C2F1AC4}" type="datetimeFigureOut">
               <a:rPr lang="en-US" smtClean="0"/>
-              <a:t>2017-12-01</a:t>
+              <a:t>2017-12-04</a:t>
             </a:fld>
             <a:endParaRPr lang="en-US"/>
           </a:p>
@@ -3541,7 +3545,7 @@
           </a:lstStyle>
           <a:p>
             <a:r>
-              <a:rPr lang="en-US" smtClean="0"/>
+              <a:rPr lang="en-US"/>
               <a:t>Click to edit Master title style</a:t>
             </a:r>
             <a:endParaRPr lang="en-US" dirty="0"/>
@@ -3609,7 +3613,7 @@
           <a:p>
             <a:pPr lvl="0"/>
             <a:r>
-              <a:rPr lang="en-US" smtClean="0"/>
+              <a:rPr lang="en-US"/>
               <a:t>Edit Master text styles</a:t>
             </a:r>
           </a:p>
@@ -3639,35 +3643,35 @@
           <a:p>
             <a:pPr lvl="0"/>
             <a:r>
-              <a:rPr lang="en-US" smtClean="0"/>
+              <a:rPr lang="en-US"/>
               <a:t>Edit Master text styles</a:t>
             </a:r>
           </a:p>
           <a:p>
             <a:pPr lvl="1"/>
             <a:r>
-              <a:rPr lang="en-US" smtClean="0"/>
+              <a:rPr lang="en-US"/>
               <a:t>Second level</a:t>
             </a:r>
           </a:p>
           <a:p>
             <a:pPr lvl="2"/>
             <a:r>
-              <a:rPr lang="en-US" smtClean="0"/>
+              <a:rPr lang="en-US"/>
               <a:t>Third level</a:t>
             </a:r>
           </a:p>
           <a:p>
             <a:pPr lvl="3"/>
             <a:r>
-              <a:rPr lang="en-US" smtClean="0"/>
+              <a:rPr lang="en-US"/>
               <a:t>Fourth level</a:t>
             </a:r>
           </a:p>
           <a:p>
             <a:pPr lvl="4"/>
             <a:r>
-              <a:rPr lang="en-US" smtClean="0"/>
+              <a:rPr lang="en-US"/>
               <a:t>Fifth level</a:t>
             </a:r>
             <a:endParaRPr lang="en-US" dirty="0"/>
@@ -3735,7 +3739,7 @@
           <a:p>
             <a:pPr lvl="0"/>
             <a:r>
-              <a:rPr lang="en-US" smtClean="0"/>
+              <a:rPr lang="en-US"/>
               <a:t>Edit Master text styles</a:t>
             </a:r>
           </a:p>
@@ -3765,35 +3769,35 @@
           <a:p>
             <a:pPr lvl="0"/>
             <a:r>
-              <a:rPr lang="en-US" smtClean="0"/>
+              <a:rPr lang="en-US"/>
               <a:t>Edit Master text styles</a:t>
             </a:r>
           </a:p>
           <a:p>
             <a:pPr lvl="1"/>
             <a:r>
-              <a:rPr lang="en-US" smtClean="0"/>
+              <a:rPr lang="en-US"/>
               <a:t>Second level</a:t>
             </a:r>
           </a:p>
           <a:p>
             <a:pPr lvl="2"/>
             <a:r>
-              <a:rPr lang="en-US" smtClean="0"/>
+              <a:rPr lang="en-US"/>
               <a:t>Third level</a:t>
             </a:r>
           </a:p>
           <a:p>
             <a:pPr lvl="3"/>
             <a:r>
-              <a:rPr lang="en-US" smtClean="0"/>
+              <a:rPr lang="en-US"/>
               <a:t>Fourth level</a:t>
             </a:r>
           </a:p>
           <a:p>
             <a:pPr lvl="4"/>
             <a:r>
-              <a:rPr lang="en-US" smtClean="0"/>
+              <a:rPr lang="en-US"/>
               <a:t>Fifth level</a:t>
             </a:r>
             <a:endParaRPr lang="en-US" dirty="0"/>
@@ -3817,7 +3821,7 @@
           <a:p>
             <a:fld id="{13E946C7-01FC-4EF8-A77B-74E28C2F1AC4}" type="datetimeFigureOut">
               <a:rPr lang="en-US" smtClean="0"/>
-              <a:t>2017-12-01</a:t>
+              <a:t>2017-12-04</a:t>
             </a:fld>
             <a:endParaRPr lang="en-US"/>
           </a:p>
@@ -3916,7 +3920,7 @@
           <a:lstStyle/>
           <a:p>
             <a:r>
-              <a:rPr lang="en-US" smtClean="0"/>
+              <a:rPr lang="en-US"/>
               <a:t>Click to edit Master title style</a:t>
             </a:r>
             <a:endParaRPr lang="en-US" dirty="0"/>
@@ -3940,7 +3944,7 @@
           <a:p>
             <a:fld id="{13E946C7-01FC-4EF8-A77B-74E28C2F1AC4}" type="datetimeFigureOut">
               <a:rPr lang="en-US" smtClean="0"/>
-              <a:t>2017-12-01</a:t>
+              <a:t>2017-12-04</a:t>
             </a:fld>
             <a:endParaRPr lang="en-US"/>
           </a:p>
@@ -4035,7 +4039,7 @@
           <a:p>
             <a:fld id="{13E946C7-01FC-4EF8-A77B-74E28C2F1AC4}" type="datetimeFigureOut">
               <a:rPr lang="en-US" smtClean="0"/>
-              <a:t>2017-12-01</a:t>
+              <a:t>2017-12-04</a:t>
             </a:fld>
             <a:endParaRPr lang="en-US"/>
           </a:p>
@@ -4140,7 +4144,7 @@
           </a:lstStyle>
           <a:p>
             <a:r>
-              <a:rPr lang="en-US" smtClean="0"/>
+              <a:rPr lang="en-US"/>
               <a:t>Click to edit Master title style</a:t>
             </a:r>
             <a:endParaRPr lang="en-US" dirty="0"/>
@@ -4171,35 +4175,35 @@
           <a:p>
             <a:pPr lvl="0"/>
             <a:r>
-              <a:rPr lang="en-US" smtClean="0"/>
+              <a:rPr lang="en-US"/>
               <a:t>Edit Master text styles</a:t>
             </a:r>
           </a:p>
           <a:p>
             <a:pPr lvl="1"/>
             <a:r>
-              <a:rPr lang="en-US" smtClean="0"/>
+              <a:rPr lang="en-US"/>
               <a:t>Second level</a:t>
             </a:r>
           </a:p>
           <a:p>
             <a:pPr lvl="2"/>
             <a:r>
-              <a:rPr lang="en-US" smtClean="0"/>
+              <a:rPr lang="en-US"/>
               <a:t>Third level</a:t>
             </a:r>
           </a:p>
           <a:p>
             <a:pPr lvl="3"/>
             <a:r>
-              <a:rPr lang="en-US" smtClean="0"/>
+              <a:rPr lang="en-US"/>
               <a:t>Fourth level</a:t>
             </a:r>
           </a:p>
           <a:p>
             <a:pPr lvl="4"/>
             <a:r>
-              <a:rPr lang="en-US" smtClean="0"/>
+              <a:rPr lang="en-US"/>
               <a:t>Fifth level</a:t>
             </a:r>
             <a:endParaRPr lang="en-US" dirty="0"/>
@@ -4267,7 +4271,7 @@
           <a:p>
             <a:pPr lvl="0"/>
             <a:r>
-              <a:rPr lang="en-US" smtClean="0"/>
+              <a:rPr lang="en-US"/>
               <a:t>Edit Master text styles</a:t>
             </a:r>
           </a:p>
@@ -4290,7 +4294,7 @@
           <a:p>
             <a:fld id="{13E946C7-01FC-4EF8-A77B-74E28C2F1AC4}" type="datetimeFigureOut">
               <a:rPr lang="en-US" smtClean="0"/>
-              <a:t>2017-12-01</a:t>
+              <a:t>2017-12-04</a:t>
             </a:fld>
             <a:endParaRPr lang="en-US"/>
           </a:p>
@@ -4395,7 +4399,7 @@
           </a:lstStyle>
           <a:p>
             <a:r>
-              <a:rPr lang="en-US" smtClean="0"/>
+              <a:rPr lang="en-US"/>
               <a:t>Click to edit Master title style</a:t>
             </a:r>
             <a:endParaRPr lang="en-US" dirty="0"/>
@@ -4462,7 +4466,7 @@
           </a:lstStyle>
           <a:p>
             <a:r>
-              <a:rPr lang="en-US" smtClean="0"/>
+              <a:rPr lang="en-US"/>
               <a:t>Click icon to add picture</a:t>
             </a:r>
             <a:endParaRPr lang="en-US" dirty="0"/>
@@ -4530,7 +4534,7 @@
           <a:p>
             <a:pPr lvl="0"/>
             <a:r>
-              <a:rPr lang="en-US" smtClean="0"/>
+              <a:rPr lang="en-US"/>
               <a:t>Edit Master text styles</a:t>
             </a:r>
           </a:p>
@@ -4553,7 +4557,7 @@
           <a:p>
             <a:fld id="{13E946C7-01FC-4EF8-A77B-74E28C2F1AC4}" type="datetimeFigureOut">
               <a:rPr lang="en-US" smtClean="0"/>
-              <a:t>2017-12-01</a:t>
+              <a:t>2017-12-04</a:t>
             </a:fld>
             <a:endParaRPr lang="en-US"/>
           </a:p>
@@ -5194,7 +5198,7 @@
           <a:lstStyle/>
           <a:p>
             <a:r>
-              <a:rPr lang="en-US" smtClean="0"/>
+              <a:rPr lang="en-US"/>
               <a:t>Click to edit Master title style</a:t>
             </a:r>
             <a:endParaRPr lang="en-US" dirty="0"/>
@@ -5228,35 +5232,35 @@
           <a:p>
             <a:pPr lvl="0"/>
             <a:r>
-              <a:rPr lang="en-US" smtClean="0"/>
+              <a:rPr lang="en-US"/>
               <a:t>Edit Master text styles</a:t>
             </a:r>
           </a:p>
           <a:p>
             <a:pPr lvl="1"/>
             <a:r>
-              <a:rPr lang="en-US" smtClean="0"/>
+              <a:rPr lang="en-US"/>
               <a:t>Second level</a:t>
             </a:r>
           </a:p>
           <a:p>
             <a:pPr lvl="2"/>
             <a:r>
-              <a:rPr lang="en-US" smtClean="0"/>
+              <a:rPr lang="en-US"/>
               <a:t>Third level</a:t>
             </a:r>
           </a:p>
           <a:p>
             <a:pPr lvl="3"/>
             <a:r>
-              <a:rPr lang="en-US" smtClean="0"/>
+              <a:rPr lang="en-US"/>
               <a:t>Fourth level</a:t>
             </a:r>
           </a:p>
           <a:p>
             <a:pPr lvl="4"/>
             <a:r>
-              <a:rPr lang="en-US" smtClean="0"/>
+              <a:rPr lang="en-US"/>
               <a:t>Fifth level</a:t>
             </a:r>
             <a:endParaRPr lang="en-US" dirty="0"/>
@@ -5298,7 +5302,7 @@
           <a:p>
             <a:fld id="{13E946C7-01FC-4EF8-A77B-74E28C2F1AC4}" type="datetimeFigureOut">
               <a:rPr lang="en-US" smtClean="0"/>
-              <a:t>2017-12-01</a:t>
+              <a:t>2017-12-04</a:t>
             </a:fld>
             <a:endParaRPr lang="en-US"/>
           </a:p>
@@ -5865,7 +5869,7 @@
           <a:lstStyle/>
           <a:p>
             <a:r>
-              <a:rPr lang="en-US" smtClean="0">
+              <a:rPr lang="en-US">
                 <a:solidFill>
                   <a:schemeClr val="tx1"/>
                 </a:solidFill>
@@ -5874,13 +5878,6 @@
               </a:rPr>
               <a:t>NHÓM 14 – HTTP SERVER</a:t>
             </a:r>
-            <a:endParaRPr lang="en-US">
-              <a:solidFill>
-                <a:schemeClr val="tx1"/>
-              </a:solidFill>
-              <a:latin typeface="Arial" panose="020B0604020202020204" pitchFamily="34" charset="0"/>
-              <a:cs typeface="Arial" panose="020B0604020202020204" pitchFamily="34" charset="0"/>
-            </a:endParaRPr>
           </a:p>
         </p:txBody>
       </p:sp>
@@ -5908,7 +5905,7 @@
           <a:p>
             <a:pPr algn="l"/>
             <a:r>
-              <a:rPr lang="en-US" sz="2000" smtClean="0">
+              <a:rPr lang="en-US" sz="2000">
                 <a:solidFill>
                   <a:schemeClr val="tx1"/>
                 </a:solidFill>
@@ -5921,7 +5918,7 @@
           <a:p>
             <a:pPr algn="l"/>
             <a:r>
-              <a:rPr lang="en-US" sz="2000" smtClean="0">
+              <a:rPr lang="en-US" sz="2000">
                 <a:solidFill>
                   <a:schemeClr val="tx1"/>
                 </a:solidFill>
@@ -5934,37 +5931,20 @@
           <a:p>
             <a:pPr algn="l"/>
             <a:r>
-              <a:rPr lang="en-US" sz="2000" smtClean="0">
+              <a:rPr lang="en-US" sz="2000">
                 <a:solidFill>
                   <a:schemeClr val="tx1"/>
                 </a:solidFill>
                 <a:latin typeface="Arial" panose="020B0604020202020204" pitchFamily="34" charset="0"/>
                 <a:cs typeface="Arial" panose="020B0604020202020204" pitchFamily="34" charset="0"/>
               </a:rPr>
-              <a:t>				Trịnh Bá Huy – </a:t>
-            </a:r>
-            <a:r>
-              <a:rPr lang="en-US" sz="2000" smtClean="0">
-                <a:solidFill>
-                  <a:schemeClr val="tx1"/>
-                </a:solidFill>
-                <a:latin typeface="Arial" panose="020B0604020202020204" pitchFamily="34" charset="0"/>
-                <a:cs typeface="Arial" panose="020B0604020202020204" pitchFamily="34" charset="0"/>
-              </a:rPr>
-              <a:t>20155712</a:t>
-            </a:r>
-            <a:endParaRPr lang="en-US" sz="2000" smtClean="0">
-              <a:solidFill>
-                <a:schemeClr val="tx1"/>
-              </a:solidFill>
-              <a:latin typeface="Arial" panose="020B0604020202020204" pitchFamily="34" charset="0"/>
-              <a:cs typeface="Arial" panose="020B0604020202020204" pitchFamily="34" charset="0"/>
-            </a:endParaRPr>
+              <a:t>				Trịnh Bá Huy – 20155712</a:t>
+            </a:r>
           </a:p>
           <a:p>
             <a:pPr algn="l"/>
             <a:r>
-              <a:rPr lang="en-US" sz="2000" smtClean="0">
+              <a:rPr lang="en-US" sz="2000">
                 <a:solidFill>
                   <a:schemeClr val="tx1"/>
                 </a:solidFill>
@@ -5996,13 +5976,6 @@
   <p:clrMapOvr>
     <a:masterClrMapping/>
   </p:clrMapOvr>
-  <p:timing>
-    <p:tnLst>
-      <p:par>
-        <p:cTn id="1" dur="indefinite" restart="never" nodeType="tmRoot"/>
-      </p:par>
-    </p:tnLst>
-  </p:timing>
 </p:sld>
 </file>
 
@@ -6046,7 +6019,7 @@
           <a:lstStyle/>
           <a:p>
             <a:r>
-              <a:rPr lang="en-US" sz="2800" smtClean="0">
+              <a:rPr lang="en-US" sz="2800">
                 <a:solidFill>
                   <a:schemeClr val="tx1"/>
                 </a:solidFill>
@@ -6055,7 +6028,137 @@
               </a:rPr>
               <a:t>Chương trình demo - POST</a:t>
             </a:r>
-            <a:endParaRPr lang="en-US" sz="2800">
+          </a:p>
+        </p:txBody>
+      </p:sp>
+      <p:sp>
+        <p:nvSpPr>
+          <p:cNvPr id="3" name="Content Placeholder 2"/>
+          <p:cNvSpPr>
+            <a:spLocks noGrp="1"/>
+          </p:cNvSpPr>
+          <p:nvPr>
+            <p:ph idx="1"/>
+          </p:nvPr>
+        </p:nvSpPr>
+        <p:spPr>
+          <a:xfrm>
+            <a:off x="677334" y="1559697"/>
+            <a:ext cx="8596668" cy="3880773"/>
+          </a:xfrm>
+        </p:spPr>
+        <p:txBody>
+          <a:bodyPr>
+            <a:normAutofit/>
+          </a:bodyPr>
+          <a:lstStyle/>
+          <a:p>
+            <a:r>
+              <a:rPr lang="en-US">
+                <a:solidFill>
+                  <a:schemeClr val="tx1"/>
+                </a:solidFill>
+                <a:latin typeface="Arial" panose="020B0604020202020204" pitchFamily="34" charset="0"/>
+                <a:cs typeface="Arial" panose="020B0604020202020204" pitchFamily="34" charset="0"/>
+              </a:rPr>
+              <a:t>Cấu trúc file lưu dữ liệu</a:t>
+            </a:r>
+          </a:p>
+          <a:p>
+            <a:pPr marL="0" indent="0">
+              <a:buNone/>
+            </a:pPr>
+            <a:r>
+              <a:rPr lang="en-US" sz="1800">
+                <a:solidFill>
+                  <a:srgbClr val="FF0000"/>
+                </a:solidFill>
+                <a:latin typeface="Arial" panose="020B0604020202020204" pitchFamily="34" charset="0"/>
+                <a:cs typeface="Arial" panose="020B0604020202020204" pitchFamily="34" charset="0"/>
+              </a:rPr>
+              <a:t>Họ</a:t>
+            </a:r>
+            <a:r>
+              <a:rPr lang="en-US" sz="1800">
+                <a:solidFill>
+                  <a:schemeClr val="tx1"/>
+                </a:solidFill>
+                <a:latin typeface="Arial" panose="020B0604020202020204" pitchFamily="34" charset="0"/>
+                <a:cs typeface="Arial" panose="020B0604020202020204" pitchFamily="34" charset="0"/>
+              </a:rPr>
+              <a:t>&lt;\n&gt;</a:t>
+            </a:r>
+          </a:p>
+          <a:p>
+            <a:pPr marL="0" indent="0">
+              <a:buNone/>
+            </a:pPr>
+            <a:r>
+              <a:rPr lang="en-US">
+                <a:solidFill>
+                  <a:srgbClr val="FF0000"/>
+                </a:solidFill>
+                <a:latin typeface="Arial" panose="020B0604020202020204" pitchFamily="34" charset="0"/>
+                <a:cs typeface="Arial" panose="020B0604020202020204" pitchFamily="34" charset="0"/>
+              </a:rPr>
+              <a:t>Tên</a:t>
+            </a:r>
+            <a:r>
+              <a:rPr lang="en-US">
+                <a:solidFill>
+                  <a:schemeClr val="tx1"/>
+                </a:solidFill>
+                <a:latin typeface="Arial" panose="020B0604020202020204" pitchFamily="34" charset="0"/>
+                <a:cs typeface="Arial" panose="020B0604020202020204" pitchFamily="34" charset="0"/>
+              </a:rPr>
+              <a:t>&lt;\n&gt;</a:t>
+            </a:r>
+          </a:p>
+          <a:p>
+            <a:pPr marL="0" indent="0">
+              <a:buNone/>
+            </a:pPr>
+            <a:r>
+              <a:rPr lang="en-US">
+                <a:solidFill>
+                  <a:srgbClr val="FF0000"/>
+                </a:solidFill>
+                <a:latin typeface="Arial" panose="020B0604020202020204" pitchFamily="34" charset="0"/>
+                <a:cs typeface="Arial" panose="020B0604020202020204" pitchFamily="34" charset="0"/>
+              </a:rPr>
+              <a:t>Năm</a:t>
+            </a:r>
+            <a:r>
+              <a:rPr lang="en-US">
+                <a:solidFill>
+                  <a:schemeClr val="tx1"/>
+                </a:solidFill>
+                <a:latin typeface="Arial" panose="020B0604020202020204" pitchFamily="34" charset="0"/>
+                <a:cs typeface="Arial" panose="020B0604020202020204" pitchFamily="34" charset="0"/>
+              </a:rPr>
+              <a:t> </a:t>
+            </a:r>
+            <a:r>
+              <a:rPr lang="en-US">
+                <a:solidFill>
+                  <a:srgbClr val="FF0000"/>
+                </a:solidFill>
+                <a:latin typeface="Arial" panose="020B0604020202020204" pitchFamily="34" charset="0"/>
+                <a:cs typeface="Arial" panose="020B0604020202020204" pitchFamily="34" charset="0"/>
+              </a:rPr>
+              <a:t>sinh</a:t>
+            </a:r>
+            <a:r>
+              <a:rPr lang="en-US">
+                <a:solidFill>
+                  <a:schemeClr val="tx1"/>
+                </a:solidFill>
+                <a:latin typeface="Arial" panose="020B0604020202020204" pitchFamily="34" charset="0"/>
+                <a:cs typeface="Arial" panose="020B0604020202020204" pitchFamily="34" charset="0"/>
+              </a:rPr>
+              <a:t>&lt;\n&gt;</a:t>
+            </a:r>
+            <a:endParaRPr lang="en-US" sz="1800">
               <a:solidFill>
                 <a:schemeClr val="tx1"/>
               </a:solidFill>
@@ -6063,57 +6166,22 @@
               <a:cs typeface="Arial" panose="020B0604020202020204" pitchFamily="34" charset="0"/>
             </a:endParaRPr>
           </a:p>
-        </p:txBody>
-      </p:sp>
-      <p:sp>
-        <p:nvSpPr>
-          <p:cNvPr id="3" name="Content Placeholder 2"/>
-          <p:cNvSpPr>
-            <a:spLocks noGrp="1"/>
-          </p:cNvSpPr>
-          <p:nvPr>
-            <p:ph idx="1"/>
-          </p:nvPr>
-        </p:nvSpPr>
-        <p:spPr>
-          <a:xfrm>
-            <a:off x="677334" y="1559697"/>
-            <a:ext cx="8596668" cy="3880773"/>
-          </a:xfrm>
-        </p:spPr>
-        <p:txBody>
-          <a:bodyPr>
-            <a:normAutofit/>
-          </a:bodyPr>
-          <a:lstStyle/>
-          <a:p>
-            <a:r>
-              <a:rPr lang="en-US" smtClean="0">
-                <a:solidFill>
-                  <a:schemeClr val="tx1"/>
+          <a:p>
+            <a:pPr marL="0" indent="0">
+              <a:buNone/>
+            </a:pPr>
+            <a:r>
+              <a:rPr lang="en-US">
+                <a:solidFill>
+                  <a:srgbClr val="FF0000"/>
                 </a:solidFill>
                 <a:latin typeface="Arial" panose="020B0604020202020204" pitchFamily="34" charset="0"/>
                 <a:cs typeface="Arial" panose="020B0604020202020204" pitchFamily="34" charset="0"/>
               </a:rPr>
-              <a:t>Cấu trúc file lưu dữ liệu</a:t>
-            </a:r>
-          </a:p>
-          <a:p>
-            <a:pPr marL="0" indent="0">
-              <a:buNone/>
-            </a:pPr>
-            <a:r>
-              <a:rPr lang="en-US" sz="1800" smtClean="0">
-                <a:solidFill>
-                  <a:srgbClr val="FF0000"/>
-                </a:solidFill>
-                <a:latin typeface="Arial" panose="020B0604020202020204" pitchFamily="34" charset="0"/>
-                <a:cs typeface="Arial" panose="020B0604020202020204" pitchFamily="34" charset="0"/>
-              </a:rPr>
-              <a:t>Họ</a:t>
-            </a:r>
-            <a:r>
-              <a:rPr lang="en-US" sz="1800" smtClean="0">
+              <a:t>Email</a:t>
+            </a:r>
+            <a:r>
+              <a:rPr lang="en-US">
                 <a:solidFill>
                   <a:schemeClr val="tx1"/>
                 </a:solidFill>
@@ -6123,173 +6191,17 @@
               <a:t>&lt;\n&gt;</a:t>
             </a:r>
           </a:p>
-          <a:p>
-            <a:pPr marL="0" indent="0">
-              <a:buNone/>
-            </a:pPr>
-            <a:r>
-              <a:rPr lang="en-US" smtClean="0">
-                <a:solidFill>
-                  <a:srgbClr val="FF0000"/>
-                </a:solidFill>
-                <a:latin typeface="Arial" panose="020B0604020202020204" pitchFamily="34" charset="0"/>
-                <a:cs typeface="Arial" panose="020B0604020202020204" pitchFamily="34" charset="0"/>
-              </a:rPr>
-              <a:t>Tên</a:t>
-            </a:r>
-            <a:r>
-              <a:rPr lang="en-US">
-                <a:solidFill>
-                  <a:schemeClr val="tx1"/>
-                </a:solidFill>
-                <a:latin typeface="Arial" panose="020B0604020202020204" pitchFamily="34" charset="0"/>
-                <a:cs typeface="Arial" panose="020B0604020202020204" pitchFamily="34" charset="0"/>
-              </a:rPr>
-              <a:t>&lt;\</a:t>
-            </a:r>
-            <a:r>
-              <a:rPr lang="en-US">
-                <a:solidFill>
-                  <a:schemeClr val="tx1"/>
-                </a:solidFill>
-                <a:latin typeface="Arial" panose="020B0604020202020204" pitchFamily="34" charset="0"/>
-                <a:cs typeface="Arial" panose="020B0604020202020204" pitchFamily="34" charset="0"/>
-              </a:rPr>
-              <a:t>n</a:t>
-            </a:r>
-            <a:r>
-              <a:rPr lang="en-US" smtClean="0">
-                <a:solidFill>
-                  <a:schemeClr val="tx1"/>
-                </a:solidFill>
-                <a:latin typeface="Arial" panose="020B0604020202020204" pitchFamily="34" charset="0"/>
-                <a:cs typeface="Arial" panose="020B0604020202020204" pitchFamily="34" charset="0"/>
-              </a:rPr>
-              <a:t>&gt;</a:t>
-            </a:r>
-          </a:p>
-          <a:p>
-            <a:pPr marL="0" indent="0">
-              <a:buNone/>
-            </a:pPr>
-            <a:r>
-              <a:rPr lang="en-US">
-                <a:solidFill>
-                  <a:srgbClr val="FF0000"/>
-                </a:solidFill>
-                <a:latin typeface="Arial" panose="020B0604020202020204" pitchFamily="34" charset="0"/>
-                <a:cs typeface="Arial" panose="020B0604020202020204" pitchFamily="34" charset="0"/>
-              </a:rPr>
-              <a:t>Năm</a:t>
-            </a:r>
-            <a:r>
-              <a:rPr lang="en-US">
-                <a:solidFill>
-                  <a:schemeClr val="tx1"/>
-                </a:solidFill>
-                <a:latin typeface="Arial" panose="020B0604020202020204" pitchFamily="34" charset="0"/>
-                <a:cs typeface="Arial" panose="020B0604020202020204" pitchFamily="34" charset="0"/>
-              </a:rPr>
-              <a:t> </a:t>
-            </a:r>
-            <a:r>
-              <a:rPr lang="en-US">
-                <a:solidFill>
-                  <a:srgbClr val="FF0000"/>
-                </a:solidFill>
-                <a:latin typeface="Arial" panose="020B0604020202020204" pitchFamily="34" charset="0"/>
-                <a:cs typeface="Arial" panose="020B0604020202020204" pitchFamily="34" charset="0"/>
-              </a:rPr>
-              <a:t>sinh</a:t>
-            </a:r>
-            <a:r>
-              <a:rPr lang="en-US">
-                <a:solidFill>
-                  <a:schemeClr val="tx1"/>
-                </a:solidFill>
-                <a:latin typeface="Arial" panose="020B0604020202020204" pitchFamily="34" charset="0"/>
-                <a:cs typeface="Arial" panose="020B0604020202020204" pitchFamily="34" charset="0"/>
-              </a:rPr>
-              <a:t>&lt;\</a:t>
-            </a:r>
-            <a:r>
-              <a:rPr lang="en-US">
-                <a:solidFill>
-                  <a:schemeClr val="tx1"/>
-                </a:solidFill>
-                <a:latin typeface="Arial" panose="020B0604020202020204" pitchFamily="34" charset="0"/>
-                <a:cs typeface="Arial" panose="020B0604020202020204" pitchFamily="34" charset="0"/>
-              </a:rPr>
-              <a:t>n</a:t>
-            </a:r>
-            <a:r>
-              <a:rPr lang="en-US" smtClean="0">
-                <a:solidFill>
-                  <a:schemeClr val="tx1"/>
-                </a:solidFill>
-                <a:latin typeface="Arial" panose="020B0604020202020204" pitchFamily="34" charset="0"/>
-                <a:cs typeface="Arial" panose="020B0604020202020204" pitchFamily="34" charset="0"/>
-              </a:rPr>
-              <a:t>&gt;</a:t>
-            </a:r>
-            <a:endParaRPr lang="en-US" sz="1800" smtClean="0">
-              <a:solidFill>
-                <a:schemeClr val="tx1"/>
-              </a:solidFill>
-              <a:latin typeface="Arial" panose="020B0604020202020204" pitchFamily="34" charset="0"/>
-              <a:cs typeface="Arial" panose="020B0604020202020204" pitchFamily="34" charset="0"/>
-            </a:endParaRPr>
-          </a:p>
-          <a:p>
-            <a:pPr marL="0" indent="0">
-              <a:buNone/>
-            </a:pPr>
-            <a:r>
-              <a:rPr lang="en-US" smtClean="0">
-                <a:solidFill>
-                  <a:srgbClr val="FF0000"/>
-                </a:solidFill>
-                <a:latin typeface="Arial" panose="020B0604020202020204" pitchFamily="34" charset="0"/>
-                <a:cs typeface="Arial" panose="020B0604020202020204" pitchFamily="34" charset="0"/>
-              </a:rPr>
-              <a:t>Email</a:t>
-            </a:r>
-            <a:r>
-              <a:rPr lang="en-US">
-                <a:solidFill>
-                  <a:schemeClr val="tx1"/>
-                </a:solidFill>
-                <a:latin typeface="Arial" panose="020B0604020202020204" pitchFamily="34" charset="0"/>
-                <a:cs typeface="Arial" panose="020B0604020202020204" pitchFamily="34" charset="0"/>
-              </a:rPr>
-              <a:t>&lt;\</a:t>
-            </a:r>
-            <a:r>
-              <a:rPr lang="en-US">
-                <a:solidFill>
-                  <a:schemeClr val="tx1"/>
-                </a:solidFill>
-                <a:latin typeface="Arial" panose="020B0604020202020204" pitchFamily="34" charset="0"/>
-                <a:cs typeface="Arial" panose="020B0604020202020204" pitchFamily="34" charset="0"/>
-              </a:rPr>
-              <a:t>n</a:t>
-            </a:r>
-            <a:r>
-              <a:rPr lang="en-US" smtClean="0">
-                <a:solidFill>
-                  <a:schemeClr val="tx1"/>
-                </a:solidFill>
-                <a:latin typeface="Arial" panose="020B0604020202020204" pitchFamily="34" charset="0"/>
-                <a:cs typeface="Arial" panose="020B0604020202020204" pitchFamily="34" charset="0"/>
-              </a:rPr>
-              <a:t>&gt;</a:t>
-            </a:r>
-          </a:p>
         </p:txBody>
       </p:sp>
       <p:pic>
         <p:nvPicPr>
-          <p:cNvPr id="5" name="Picture 4"/>
+          <p:cNvPr id="4" name="Picture 3">
+            <a:extLst>
+              <a:ext uri="{FF2B5EF4-FFF2-40B4-BE49-F238E27FC236}">
+                <a16:creationId xmlns:a16="http://schemas.microsoft.com/office/drawing/2014/main" id="{909DD7B6-9ABA-41ED-A58B-505468551690}"/>
+              </a:ext>
+            </a:extLst>
+          </p:cNvPr>
           <p:cNvPicPr>
             <a:picLocks noChangeAspect="1"/>
           </p:cNvPicPr>
@@ -6303,8 +6215,8 @@
         </p:blipFill>
         <p:spPr>
           <a:xfrm>
-            <a:off x="5667510" y="1559697"/>
-            <a:ext cx="3495675" cy="4467225"/>
+            <a:off x="5667869" y="1559697"/>
+            <a:ext cx="3019425" cy="4429125"/>
           </a:xfrm>
           <a:prstGeom prst="rect">
             <a:avLst/>
@@ -6321,13 +6233,6 @@
   <p:clrMapOvr>
     <a:masterClrMapping/>
   </p:clrMapOvr>
-  <p:timing>
-    <p:tnLst>
-      <p:par>
-        <p:cTn id="1" dur="indefinite" restart="never" nodeType="tmRoot"/>
-      </p:par>
-    </p:tnLst>
-  </p:timing>
 </p:sld>
 </file>
 
@@ -6371,32 +6276,15 @@
           <a:lstStyle/>
           <a:p>
             <a:r>
-              <a:rPr lang="en-US" sz="2800" smtClean="0">
+              <a:rPr lang="en-US" sz="2800">
                 <a:solidFill>
                   <a:schemeClr val="tx1"/>
                 </a:solidFill>
                 <a:latin typeface="Arial" panose="020B0604020202020204" pitchFamily="34" charset="0"/>
                 <a:cs typeface="Arial" panose="020B0604020202020204" pitchFamily="34" charset="0"/>
               </a:rPr>
-              <a:t>Chương trình demo – </a:t>
-            </a:r>
-            <a:r>
-              <a:rPr lang="en-US" sz="2800" smtClean="0">
-                <a:solidFill>
-                  <a:schemeClr val="tx1"/>
-                </a:solidFill>
-                <a:latin typeface="Arial" panose="020B0604020202020204" pitchFamily="34" charset="0"/>
-                <a:cs typeface="Arial" panose="020B0604020202020204" pitchFamily="34" charset="0"/>
-              </a:rPr>
-              <a:t>Route sai</a:t>
-            </a:r>
-            <a:endParaRPr lang="en-US" sz="2800">
-              <a:solidFill>
-                <a:schemeClr val="tx1"/>
-              </a:solidFill>
-              <a:latin typeface="Arial" panose="020B0604020202020204" pitchFamily="34" charset="0"/>
-              <a:cs typeface="Arial" panose="020B0604020202020204" pitchFamily="34" charset="0"/>
-            </a:endParaRPr>
+              <a:t>Chương trình demo – Route sai</a:t>
+            </a:r>
           </a:p>
         </p:txBody>
       </p:sp>
@@ -6423,7 +6311,7 @@
           <a:lstStyle/>
           <a:p>
             <a:r>
-              <a:rPr lang="en-US" sz="1800" smtClean="0">
+              <a:rPr lang="en-US" sz="1800">
                 <a:solidFill>
                   <a:schemeClr val="tx1"/>
                 </a:solidFill>
@@ -6432,13 +6320,6 @@
               </a:rPr>
               <a:t>Khi gửi yêu cầu đến một route không hỗ trợ</a:t>
             </a:r>
-            <a:endParaRPr lang="en-US" sz="1800">
-              <a:solidFill>
-                <a:schemeClr val="tx1"/>
-              </a:solidFill>
-              <a:latin typeface="Arial" panose="020B0604020202020204" pitchFamily="34" charset="0"/>
-              <a:cs typeface="Arial" panose="020B0604020202020204" pitchFamily="34" charset="0"/>
-            </a:endParaRPr>
           </a:p>
         </p:txBody>
       </p:sp>
@@ -6476,13 +6357,6 @@
   <p:clrMapOvr>
     <a:masterClrMapping/>
   </p:clrMapOvr>
-  <p:timing>
-    <p:tnLst>
-      <p:par>
-        <p:cTn id="1" dur="indefinite" restart="never" nodeType="tmRoot"/>
-      </p:par>
-    </p:tnLst>
-  </p:timing>
 </p:sld>
 </file>
 
@@ -6526,32 +6400,15 @@
           <a:lstStyle/>
           <a:p>
             <a:r>
-              <a:rPr lang="en-US" sz="2800" smtClean="0">
+              <a:rPr lang="en-US" sz="2800">
                 <a:solidFill>
                   <a:schemeClr val="tx1"/>
                 </a:solidFill>
                 <a:latin typeface="Arial" panose="020B0604020202020204" pitchFamily="34" charset="0"/>
                 <a:cs typeface="Arial" panose="020B0604020202020204" pitchFamily="34" charset="0"/>
               </a:rPr>
-              <a:t>Chương trình demo – </a:t>
-            </a:r>
-            <a:r>
-              <a:rPr lang="en-US" sz="2800" smtClean="0">
-                <a:solidFill>
-                  <a:schemeClr val="tx1"/>
-                </a:solidFill>
-                <a:latin typeface="Arial" panose="020B0604020202020204" pitchFamily="34" charset="0"/>
-                <a:cs typeface="Arial" panose="020B0604020202020204" pitchFamily="34" charset="0"/>
-              </a:rPr>
-              <a:t>Ghi nhật ký</a:t>
-            </a:r>
-            <a:endParaRPr lang="en-US" sz="2800">
-              <a:solidFill>
-                <a:schemeClr val="tx1"/>
-              </a:solidFill>
-              <a:latin typeface="Arial" panose="020B0604020202020204" pitchFamily="34" charset="0"/>
-              <a:cs typeface="Arial" panose="020B0604020202020204" pitchFamily="34" charset="0"/>
-            </a:endParaRPr>
+              <a:t>Chương trình demo – Ghi nhật ký</a:t>
+            </a:r>
           </a:p>
         </p:txBody>
       </p:sp>
@@ -6578,7 +6435,7 @@
           <a:lstStyle/>
           <a:p>
             <a:r>
-              <a:rPr lang="en-US" sz="1800" smtClean="0">
+              <a:rPr lang="en-US" sz="1800">
                 <a:solidFill>
                   <a:schemeClr val="tx1"/>
                 </a:solidFill>
@@ -6593,7 +6450,7 @@
               <a:buNone/>
             </a:pPr>
             <a:r>
-              <a:rPr lang="en-US" sz="1800" smtClean="0">
+              <a:rPr lang="en-US" sz="1800">
                 <a:solidFill>
                   <a:schemeClr val="tx1"/>
                 </a:solidFill>
@@ -6608,7 +6465,7 @@
               <a:buNone/>
             </a:pPr>
             <a:r>
-              <a:rPr lang="en-US" smtClean="0">
+              <a:rPr lang="en-US">
                 <a:solidFill>
                   <a:srgbClr val="FF0000"/>
                 </a:solidFill>
@@ -6618,7 +6475,7 @@
               <a:t>địa_chỉ_ip</a:t>
             </a:r>
             <a:r>
-              <a:rPr lang="en-US" smtClean="0">
+              <a:rPr lang="en-US">
                 <a:solidFill>
                   <a:schemeClr val="tx1"/>
                 </a:solidFill>
@@ -6628,7 +6485,7 @@
               <a:t>&lt;cách&gt;</a:t>
             </a:r>
             <a:r>
-              <a:rPr lang="en-US" smtClean="0">
+              <a:rPr lang="en-US">
                 <a:solidFill>
                   <a:srgbClr val="FF0000"/>
                 </a:solidFill>
@@ -6637,7 +6494,7 @@
               </a:rPr>
               <a:t>thời_gian</a:t>
             </a:r>
-            <a:endParaRPr lang="en-US" sz="1800" smtClean="0">
+            <a:endParaRPr lang="en-US" sz="1800">
               <a:solidFill>
                 <a:srgbClr val="FF0000"/>
               </a:solidFill>
@@ -6690,13 +6547,6 @@
   <p:clrMapOvr>
     <a:masterClrMapping/>
   </p:clrMapOvr>
-  <p:timing>
-    <p:tnLst>
-      <p:par>
-        <p:cTn id="1" dur="indefinite" restart="never" nodeType="tmRoot"/>
-      </p:par>
-    </p:tnLst>
-  </p:timing>
 </p:sld>
 </file>
 
@@ -6740,7 +6590,7 @@
           <a:lstStyle/>
           <a:p>
             <a:r>
-              <a:rPr lang="en-US" sz="2800" smtClean="0">
+              <a:rPr lang="en-US" sz="2800">
                 <a:solidFill>
                   <a:schemeClr val="tx1"/>
                 </a:solidFill>
@@ -6749,13 +6599,6 @@
               </a:rPr>
               <a:t>Mã nguồn</a:t>
             </a:r>
-            <a:endParaRPr lang="en-US" sz="2800">
-              <a:solidFill>
-                <a:schemeClr val="tx1"/>
-              </a:solidFill>
-              <a:latin typeface="Arial" panose="020B0604020202020204" pitchFamily="34" charset="0"/>
-              <a:cs typeface="Arial" panose="020B0604020202020204" pitchFamily="34" charset="0"/>
-            </a:endParaRPr>
           </a:p>
         </p:txBody>
       </p:sp>
@@ -6782,7 +6625,7 @@
           <a:lstStyle/>
           <a:p>
             <a:r>
-              <a:rPr lang="en-US" smtClean="0">
+              <a:rPr lang="en-US">
                 <a:solidFill>
                   <a:schemeClr val="tx1"/>
                 </a:solidFill>
@@ -6801,50 +6644,20 @@
                 <a:latin typeface="Arial" panose="020B0604020202020204" pitchFamily="34" charset="0"/>
                 <a:cs typeface="Arial" panose="020B0604020202020204" pitchFamily="34" charset="0"/>
               </a:rPr>
-              <a:t>g</a:t>
-            </a:r>
-            <a:r>
-              <a:rPr lang="en-US" smtClean="0">
-                <a:solidFill>
-                  <a:schemeClr val="tx1"/>
+              <a:t>git clone </a:t>
+            </a:r>
+            <a:r>
+              <a:rPr lang="en-US">
+                <a:solidFill>
+                  <a:srgbClr val="FF0000"/>
                 </a:solidFill>
                 <a:latin typeface="Arial" panose="020B0604020202020204" pitchFamily="34" charset="0"/>
                 <a:cs typeface="Arial" panose="020B0604020202020204" pitchFamily="34" charset="0"/>
               </a:rPr>
-              <a:t>it clone </a:t>
-            </a:r>
-            <a:r>
-              <a:rPr lang="en-US" smtClean="0">
-                <a:solidFill>
-                  <a:srgbClr val="FF0000"/>
-                </a:solidFill>
-                <a:latin typeface="Arial" panose="020B0604020202020204" pitchFamily="34" charset="0"/>
-                <a:cs typeface="Arial" panose="020B0604020202020204" pitchFamily="34" charset="0"/>
-              </a:rPr>
-              <a:t>https</a:t>
+              <a:t>https://github.com/moonlight8978/network_programming_20171</a:t>
             </a:r>
             <a:r>
               <a:rPr lang="en-US">
-                <a:solidFill>
-                  <a:srgbClr val="FF0000"/>
-                </a:solidFill>
-                <a:latin typeface="Arial" panose="020B0604020202020204" pitchFamily="34" charset="0"/>
-                <a:cs typeface="Arial" panose="020B0604020202020204" pitchFamily="34" charset="0"/>
-              </a:rPr>
-              <a:t>://</a:t>
-            </a:r>
-            <a:r>
-              <a:rPr lang="en-US" smtClean="0">
-                <a:solidFill>
-                  <a:srgbClr val="FF0000"/>
-                </a:solidFill>
-                <a:latin typeface="Arial" panose="020B0604020202020204" pitchFamily="34" charset="0"/>
-                <a:cs typeface="Arial" panose="020B0604020202020204" pitchFamily="34" charset="0"/>
-              </a:rPr>
-              <a:t>github.com/moonlight8978/network_programming_20171</a:t>
-            </a:r>
-            <a:r>
-              <a:rPr lang="en-US" smtClean="0">
                 <a:solidFill>
                   <a:schemeClr val="tx1"/>
                 </a:solidFill>
@@ -6873,13 +6686,6 @@
   <p:clrMapOvr>
     <a:masterClrMapping/>
   </p:clrMapOvr>
-  <p:timing>
-    <p:tnLst>
-      <p:par>
-        <p:cTn id="1" dur="indefinite" restart="never" nodeType="tmRoot"/>
-      </p:par>
-    </p:tnLst>
-  </p:timing>
 </p:sld>
 </file>
 
@@ -7032,7 +6838,7 @@
           <a:lstStyle/>
           <a:p>
             <a:r>
-              <a:rPr lang="en-US" sz="2800" smtClean="0">
+              <a:rPr lang="en-US" sz="2800">
                 <a:solidFill>
                   <a:schemeClr val="tx1"/>
                 </a:solidFill>
@@ -7041,13 +6847,6 @@
               </a:rPr>
               <a:t>Phân chia công việc</a:t>
             </a:r>
-            <a:endParaRPr lang="en-US" sz="2800">
-              <a:solidFill>
-                <a:schemeClr val="tx1"/>
-              </a:solidFill>
-              <a:latin typeface="Arial" panose="020B0604020202020204" pitchFamily="34" charset="0"/>
-              <a:cs typeface="Arial" panose="020B0604020202020204" pitchFamily="34" charset="0"/>
-            </a:endParaRPr>
           </a:p>
         </p:txBody>
       </p:sp>
@@ -7074,7 +6873,7 @@
           <a:lstStyle/>
           <a:p>
             <a:r>
-              <a:rPr lang="en-US" sz="2000" smtClean="0">
+              <a:rPr lang="en-US" sz="2000">
                 <a:solidFill>
                   <a:schemeClr val="tx1"/>
                 </a:solidFill>
@@ -7087,7 +6886,7 @@
           <a:p>
             <a:pPr lvl="1"/>
             <a:r>
-              <a:rPr lang="en-US" sz="1800" smtClean="0">
+              <a:rPr lang="en-US" sz="1800">
                 <a:solidFill>
                   <a:schemeClr val="tx1"/>
                 </a:solidFill>
@@ -7107,23 +6906,13 @@
                 <a:latin typeface="Arial" panose="020B0604020202020204" pitchFamily="34" charset="0"/>
                 <a:cs typeface="Arial" panose="020B0604020202020204" pitchFamily="34" charset="0"/>
               </a:rPr>
-              <a:t>T</a:t>
-            </a:r>
-            <a:r>
-              <a:rPr lang="en-US" sz="1800" smtClean="0">
-                <a:solidFill>
-                  <a:schemeClr val="tx1"/>
-                </a:solidFill>
-                <a:latin typeface="Arial" panose="020B0604020202020204" pitchFamily="34" charset="0"/>
-                <a:cs typeface="Arial" panose="020B0604020202020204" pitchFamily="34" charset="0"/>
-              </a:rPr>
-              <a:t>ách chuỗi request (thô), định tuyến (routing)</a:t>
+              <a:t>Tách chuỗi request (thô), định tuyến (routing)</a:t>
             </a:r>
           </a:p>
           <a:p>
             <a:pPr lvl="1"/>
             <a:r>
-              <a:rPr lang="en-US" sz="1800" smtClean="0">
+              <a:rPr lang="en-US" sz="1800">
                 <a:solidFill>
                   <a:schemeClr val="tx1"/>
                 </a:solidFill>
@@ -7135,7 +6924,7 @@
           </a:p>
           <a:p>
             <a:r>
-              <a:rPr lang="en-US" sz="2000" smtClean="0">
+              <a:rPr lang="en-US" sz="2000">
                 <a:solidFill>
                   <a:schemeClr val="tx1"/>
                 </a:solidFill>
@@ -7148,7 +6937,7 @@
           <a:p>
             <a:pPr lvl="1"/>
             <a:r>
-              <a:rPr lang="en-US" sz="1800" smtClean="0">
+              <a:rPr lang="en-US" sz="1800">
                 <a:solidFill>
                   <a:schemeClr val="tx1"/>
                 </a:solidFill>
@@ -7160,37 +6949,20 @@
           </a:p>
           <a:p>
             <a:r>
-              <a:rPr lang="en-US" sz="2000" smtClean="0">
+              <a:rPr lang="en-US" sz="2000">
                 <a:solidFill>
                   <a:schemeClr val="tx1"/>
                 </a:solidFill>
                 <a:latin typeface="Arial" panose="020B0604020202020204" pitchFamily="34" charset="0"/>
                 <a:cs typeface="Arial" panose="020B0604020202020204" pitchFamily="34" charset="0"/>
               </a:rPr>
-              <a:t>Trịnh Bá Huy: </a:t>
-            </a:r>
-            <a:r>
-              <a:rPr lang="en-US" sz="2000" smtClean="0">
-                <a:solidFill>
-                  <a:schemeClr val="tx1"/>
-                </a:solidFill>
-                <a:latin typeface="Arial" panose="020B0604020202020204" pitchFamily="34" charset="0"/>
-                <a:cs typeface="Arial" panose="020B0604020202020204" pitchFamily="34" charset="0"/>
-              </a:rPr>
-              <a:t>các hàm liên quan đến tách chuỗi lấy giá trị</a:t>
-            </a:r>
-            <a:endParaRPr lang="en-US" sz="2000" smtClean="0">
-              <a:solidFill>
-                <a:schemeClr val="tx1"/>
-              </a:solidFill>
-              <a:latin typeface="Arial" panose="020B0604020202020204" pitchFamily="34" charset="0"/>
-              <a:cs typeface="Arial" panose="020B0604020202020204" pitchFamily="34" charset="0"/>
-            </a:endParaRPr>
+              <a:t>Trịnh Bá Huy: các hàm liên quan đến tách chuỗi lấy giá trị</a:t>
+            </a:r>
           </a:p>
           <a:p>
             <a:pPr lvl="1"/>
             <a:r>
-              <a:rPr lang="en-US" sz="1800" smtClean="0">
+              <a:rPr lang="en-US" sz="1800">
                 <a:solidFill>
                   <a:schemeClr val="tx1"/>
                 </a:solidFill>
@@ -7203,7 +6975,7 @@
           <a:p>
             <a:pPr lvl="1"/>
             <a:r>
-              <a:rPr lang="en-US" sz="1800" smtClean="0">
+              <a:rPr lang="en-US" sz="1800">
                 <a:solidFill>
                   <a:schemeClr val="tx1"/>
                 </a:solidFill>
@@ -7212,13 +6984,6 @@
               </a:rPr>
               <a:t>Viết hàm lấy giá trị header theo tên trường</a:t>
             </a:r>
-            <a:endParaRPr lang="en-US" sz="1800">
-              <a:solidFill>
-                <a:schemeClr val="tx1"/>
-              </a:solidFill>
-              <a:latin typeface="Arial" panose="020B0604020202020204" pitchFamily="34" charset="0"/>
-              <a:cs typeface="Arial" panose="020B0604020202020204" pitchFamily="34" charset="0"/>
-            </a:endParaRPr>
           </a:p>
         </p:txBody>
       </p:sp>
@@ -7232,13 +6997,6 @@
   <p:clrMapOvr>
     <a:masterClrMapping/>
   </p:clrMapOvr>
-  <p:timing>
-    <p:tnLst>
-      <p:par>
-        <p:cTn id="1" dur="indefinite" restart="never" nodeType="tmRoot"/>
-      </p:par>
-    </p:tnLst>
-  </p:timing>
 </p:sld>
 </file>
 
@@ -7282,7 +7040,7 @@
           <a:lstStyle/>
           <a:p>
             <a:r>
-              <a:rPr lang="en-US" sz="2800" smtClean="0">
+              <a:rPr lang="en-US" sz="2800">
                 <a:solidFill>
                   <a:schemeClr val="tx1"/>
                 </a:solidFill>
@@ -7291,13 +7049,6 @@
               </a:rPr>
               <a:t>Tham khảo</a:t>
             </a:r>
-            <a:endParaRPr lang="en-US" sz="2800">
-              <a:solidFill>
-                <a:schemeClr val="tx1"/>
-              </a:solidFill>
-              <a:latin typeface="Arial" panose="020B0604020202020204" pitchFamily="34" charset="0"/>
-              <a:cs typeface="Arial" panose="020B0604020202020204" pitchFamily="34" charset="0"/>
-            </a:endParaRPr>
           </a:p>
         </p:txBody>
       </p:sp>
@@ -7324,7 +7075,7 @@
           <a:lstStyle/>
           <a:p>
             <a:r>
-              <a:rPr lang="en-US" smtClean="0">
+              <a:rPr lang="en-US">
                 <a:solidFill>
                   <a:schemeClr val="tx1"/>
                 </a:solidFill>
@@ -7358,27 +7109,7 @@
                 <a:latin typeface="Arial" panose="020B0604020202020204" pitchFamily="34" charset="0"/>
                 <a:cs typeface="Arial" panose="020B0604020202020204" pitchFamily="34" charset="0"/>
               </a:rPr>
-              <a:t> </a:t>
-            </a:r>
-            <a:r>
-              <a:rPr lang="en-US" smtClean="0">
-                <a:solidFill>
-                  <a:schemeClr val="tx1"/>
-                </a:solidFill>
-                <a:latin typeface="Arial" panose="020B0604020202020204" pitchFamily="34" charset="0"/>
-                <a:cs typeface="Arial" panose="020B0604020202020204" pitchFamily="34" charset="0"/>
-              </a:rPr>
-              <a:t>     https</a:t>
-            </a:r>
-            <a:r>
-              <a:rPr lang="en-US">
-                <a:solidFill>
-                  <a:schemeClr val="tx1"/>
-                </a:solidFill>
-                <a:latin typeface="Arial" panose="020B0604020202020204" pitchFamily="34" charset="0"/>
-                <a:cs typeface="Arial" panose="020B0604020202020204" pitchFamily="34" charset="0"/>
-              </a:rPr>
-              <a:t>://github.com/rails/rails</a:t>
+              <a:t>      https://github.com/rails/rails</a:t>
             </a:r>
           </a:p>
           <a:p>
@@ -7402,13 +7133,6 @@
   <p:clrMapOvr>
     <a:masterClrMapping/>
   </p:clrMapOvr>
-  <p:timing>
-    <p:tnLst>
-      <p:par>
-        <p:cTn id="1" dur="indefinite" restart="never" nodeType="tmRoot"/>
-      </p:par>
-    </p:tnLst>
-  </p:timing>
 </p:sld>
 </file>
 
@@ -7452,7 +7176,7 @@
           <a:lstStyle/>
           <a:p>
             <a:r>
-              <a:rPr lang="en-US" sz="2800" smtClean="0">
+              <a:rPr lang="en-US" sz="2800">
                 <a:solidFill>
                   <a:schemeClr val="tx1"/>
                 </a:solidFill>
@@ -7461,13 +7185,6 @@
               </a:rPr>
               <a:t>Sơ đồ khối</a:t>
             </a:r>
-            <a:endParaRPr lang="en-US" sz="2800">
-              <a:solidFill>
-                <a:schemeClr val="tx1"/>
-              </a:solidFill>
-              <a:latin typeface="Arial" panose="020B0604020202020204" pitchFamily="34" charset="0"/>
-              <a:cs typeface="Arial" panose="020B0604020202020204" pitchFamily="34" charset="0"/>
-            </a:endParaRPr>
           </a:p>
         </p:txBody>
       </p:sp>
@@ -7510,13 +7227,6 @@
   <p:clrMapOvr>
     <a:masterClrMapping/>
   </p:clrMapOvr>
-  <p:timing>
-    <p:tnLst>
-      <p:par>
-        <p:cTn id="1" dur="indefinite" restart="never" nodeType="tmRoot"/>
-      </p:par>
-    </p:tnLst>
-  </p:timing>
 </p:sld>
 </file>
 
@@ -7560,32 +7270,15 @@
           <a:lstStyle/>
           <a:p>
             <a:r>
-              <a:rPr lang="en-US" sz="2800" smtClean="0">
+              <a:rPr lang="en-US" sz="2800">
                 <a:solidFill>
                   <a:schemeClr val="tx1"/>
                 </a:solidFill>
                 <a:latin typeface="Arial" panose="020B0604020202020204" pitchFamily="34" charset="0"/>
                 <a:cs typeface="Arial" panose="020B0604020202020204" pitchFamily="34" charset="0"/>
               </a:rPr>
-              <a:t>Chương trình demo </a:t>
-            </a:r>
-            <a:r>
-              <a:rPr lang="en-US" sz="2800" smtClean="0">
-                <a:solidFill>
-                  <a:schemeClr val="tx1"/>
-                </a:solidFill>
-                <a:latin typeface="Arial" panose="020B0604020202020204" pitchFamily="34" charset="0"/>
-                <a:cs typeface="Arial" panose="020B0604020202020204" pitchFamily="34" charset="0"/>
-              </a:rPr>
-              <a:t>– Đa kết nối</a:t>
-            </a:r>
-            <a:endParaRPr lang="en-US" sz="2800">
-              <a:solidFill>
-                <a:schemeClr val="tx1"/>
-              </a:solidFill>
-              <a:latin typeface="Arial" panose="020B0604020202020204" pitchFamily="34" charset="0"/>
-              <a:cs typeface="Arial" panose="020B0604020202020204" pitchFamily="34" charset="0"/>
-            </a:endParaRPr>
+              <a:t>Chương trình demo – Đa kết nối</a:t>
+            </a:r>
           </a:p>
         </p:txBody>
       </p:sp>
@@ -7612,7 +7305,7 @@
           <a:lstStyle/>
           <a:p>
             <a:r>
-              <a:rPr lang="en-US" smtClean="0">
+              <a:rPr lang="en-US">
                 <a:solidFill>
                   <a:schemeClr val="tx1"/>
                 </a:solidFill>
@@ -7624,7 +7317,7 @@
           </a:p>
           <a:p>
             <a:r>
-              <a:rPr lang="en-US" sz="1800" smtClean="0">
+              <a:rPr lang="en-US" sz="1800">
                 <a:solidFill>
                   <a:schemeClr val="tx1"/>
                 </a:solidFill>
@@ -7639,7 +7332,7 @@
               <a:buNone/>
             </a:pPr>
             <a:r>
-              <a:rPr lang="en-US" sz="1800" smtClean="0">
+              <a:rPr lang="en-US" sz="1800">
                 <a:solidFill>
                   <a:schemeClr val="tx1"/>
                 </a:solidFill>
@@ -7648,13 +7341,6 @@
               </a:rPr>
               <a:t>để tránh xung đột file</a:t>
             </a:r>
-            <a:endParaRPr lang="en-US" sz="1800">
-              <a:solidFill>
-                <a:schemeClr val="tx1"/>
-              </a:solidFill>
-              <a:latin typeface="Arial" panose="020B0604020202020204" pitchFamily="34" charset="0"/>
-              <a:cs typeface="Arial" panose="020B0604020202020204" pitchFamily="34" charset="0"/>
-            </a:endParaRPr>
           </a:p>
         </p:txBody>
       </p:sp>
@@ -7692,13 +7378,6 @@
   <p:clrMapOvr>
     <a:masterClrMapping/>
   </p:clrMapOvr>
-  <p:timing>
-    <p:tnLst>
-      <p:par>
-        <p:cTn id="1" dur="indefinite" restart="never" nodeType="tmRoot"/>
-      </p:par>
-    </p:tnLst>
-  </p:timing>
 </p:sld>
 </file>
 
@@ -7742,7 +7421,7 @@
           <a:lstStyle/>
           <a:p>
             <a:r>
-              <a:rPr lang="en-US" sz="2800" smtClean="0">
+              <a:rPr lang="en-US" sz="2800">
                 <a:solidFill>
                   <a:schemeClr val="tx1"/>
                 </a:solidFill>
@@ -7751,13 +7430,6 @@
               </a:rPr>
               <a:t>Chương trình demo - GET</a:t>
             </a:r>
-            <a:endParaRPr lang="en-US" sz="2800">
-              <a:solidFill>
-                <a:schemeClr val="tx1"/>
-              </a:solidFill>
-              <a:latin typeface="Arial" panose="020B0604020202020204" pitchFamily="34" charset="0"/>
-              <a:cs typeface="Arial" panose="020B0604020202020204" pitchFamily="34" charset="0"/>
-            </a:endParaRPr>
           </a:p>
         </p:txBody>
       </p:sp>
@@ -7784,24 +7456,14 @@
           <a:lstStyle/>
           <a:p>
             <a:r>
-              <a:rPr lang="en-US" smtClean="0">
+              <a:rPr lang="en-US">
                 <a:solidFill>
                   <a:schemeClr val="tx1"/>
                 </a:solidFill>
                 <a:latin typeface="Arial" panose="020B0604020202020204" pitchFamily="34" charset="0"/>
                 <a:cs typeface="Arial" panose="020B0604020202020204" pitchFamily="34" charset="0"/>
               </a:rPr>
-              <a:t>R</a:t>
-            </a:r>
-            <a:r>
-              <a:rPr lang="en-US" smtClean="0">
-                <a:solidFill>
-                  <a:schemeClr val="tx1"/>
-                </a:solidFill>
-                <a:latin typeface="Arial" panose="020B0604020202020204" pitchFamily="34" charset="0"/>
-                <a:cs typeface="Arial" panose="020B0604020202020204" pitchFamily="34" charset="0"/>
-              </a:rPr>
-              <a:t>oute index “/”</a:t>
+              <a:t>Route index “/”</a:t>
             </a:r>
             <a:endParaRPr lang="en-US" sz="1800">
               <a:solidFill>
@@ -7847,13 +7509,6 @@
   <p:clrMapOvr>
     <a:masterClrMapping/>
   </p:clrMapOvr>
-  <p:timing>
-    <p:tnLst>
-      <p:par>
-        <p:cTn id="1" dur="indefinite" restart="never" nodeType="tmRoot"/>
-      </p:par>
-    </p:tnLst>
-  </p:timing>
 </p:sld>
 </file>
 
@@ -7897,7 +7552,7 @@
           <a:lstStyle/>
           <a:p>
             <a:r>
-              <a:rPr lang="en-US" sz="2800" smtClean="0">
+              <a:rPr lang="en-US" sz="2800">
                 <a:solidFill>
                   <a:schemeClr val="tx1"/>
                 </a:solidFill>
@@ -7906,13 +7561,6 @@
               </a:rPr>
               <a:t>Chương trình demo - GET</a:t>
             </a:r>
-            <a:endParaRPr lang="en-US" sz="2800">
-              <a:solidFill>
-                <a:schemeClr val="tx1"/>
-              </a:solidFill>
-              <a:latin typeface="Arial" panose="020B0604020202020204" pitchFamily="34" charset="0"/>
-              <a:cs typeface="Arial" panose="020B0604020202020204" pitchFamily="34" charset="0"/>
-            </a:endParaRPr>
           </a:p>
         </p:txBody>
       </p:sp>
@@ -7939,24 +7587,14 @@
           <a:lstStyle/>
           <a:p>
             <a:r>
-              <a:rPr lang="en-US" smtClean="0">
+              <a:rPr lang="en-US">
                 <a:solidFill>
                   <a:schemeClr val="tx1"/>
                 </a:solidFill>
                 <a:latin typeface="Arial" panose="020B0604020202020204" pitchFamily="34" charset="0"/>
                 <a:cs typeface="Arial" panose="020B0604020202020204" pitchFamily="34" charset="0"/>
               </a:rPr>
-              <a:t>R</a:t>
-            </a:r>
-            <a:r>
-              <a:rPr lang="en-US" smtClean="0">
-                <a:solidFill>
-                  <a:schemeClr val="tx1"/>
-                </a:solidFill>
-                <a:latin typeface="Arial" panose="020B0604020202020204" pitchFamily="34" charset="0"/>
-                <a:cs typeface="Arial" panose="020B0604020202020204" pitchFamily="34" charset="0"/>
-              </a:rPr>
-              <a:t>oute “/idols” không params</a:t>
+              <a:t>Route “/idols” không params</a:t>
             </a:r>
             <a:endParaRPr lang="en-US" sz="1800">
               <a:solidFill>
@@ -8002,13 +7640,6 @@
   <p:clrMapOvr>
     <a:masterClrMapping/>
   </p:clrMapOvr>
-  <p:timing>
-    <p:tnLst>
-      <p:par>
-        <p:cTn id="1" dur="indefinite" restart="never" nodeType="tmRoot"/>
-      </p:par>
-    </p:tnLst>
-  </p:timing>
 </p:sld>
 </file>
 
@@ -8052,7 +7683,7 @@
           <a:lstStyle/>
           <a:p>
             <a:r>
-              <a:rPr lang="en-US" sz="2800" smtClean="0">
+              <a:rPr lang="en-US" sz="2800">
                 <a:solidFill>
                   <a:schemeClr val="tx1"/>
                 </a:solidFill>
@@ -8061,13 +7692,6 @@
               </a:rPr>
               <a:t>Chương trình demo - GET</a:t>
             </a:r>
-            <a:endParaRPr lang="en-US" sz="2800">
-              <a:solidFill>
-                <a:schemeClr val="tx1"/>
-              </a:solidFill>
-              <a:latin typeface="Arial" panose="020B0604020202020204" pitchFamily="34" charset="0"/>
-              <a:cs typeface="Arial" panose="020B0604020202020204" pitchFamily="34" charset="0"/>
-            </a:endParaRPr>
           </a:p>
         </p:txBody>
       </p:sp>
@@ -8094,24 +7718,14 @@
           <a:lstStyle/>
           <a:p>
             <a:r>
-              <a:rPr lang="en-US" smtClean="0">
+              <a:rPr lang="en-US">
                 <a:solidFill>
                   <a:schemeClr val="tx1"/>
                 </a:solidFill>
                 <a:latin typeface="Arial" panose="020B0604020202020204" pitchFamily="34" charset="0"/>
                 <a:cs typeface="Arial" panose="020B0604020202020204" pitchFamily="34" charset="0"/>
               </a:rPr>
-              <a:t>R</a:t>
-            </a:r>
-            <a:r>
-              <a:rPr lang="en-US" smtClean="0">
-                <a:solidFill>
-                  <a:schemeClr val="tx1"/>
-                </a:solidFill>
-                <a:latin typeface="Arial" panose="020B0604020202020204" pitchFamily="34" charset="0"/>
-                <a:cs typeface="Arial" panose="020B0604020202020204" pitchFamily="34" charset="0"/>
-              </a:rPr>
-              <a:t>oute “/idols” có params</a:t>
+              <a:t>Route “/idols” có params</a:t>
             </a:r>
             <a:endParaRPr lang="en-US" sz="1800">
               <a:solidFill>
@@ -8157,13 +7771,6 @@
   <p:clrMapOvr>
     <a:masterClrMapping/>
   </p:clrMapOvr>
-  <p:timing>
-    <p:tnLst>
-      <p:par>
-        <p:cTn id="1" dur="indefinite" restart="never" nodeType="tmRoot"/>
-      </p:par>
-    </p:tnLst>
-  </p:timing>
 </p:sld>
 </file>
 
@@ -8207,7 +7814,7 @@
           <a:lstStyle/>
           <a:p>
             <a:r>
-              <a:rPr lang="en-US" sz="2800" smtClean="0">
+              <a:rPr lang="en-US" sz="2800">
                 <a:solidFill>
                   <a:schemeClr val="tx1"/>
                 </a:solidFill>
@@ -8216,13 +7823,6 @@
               </a:rPr>
               <a:t>Chương trình demo - POST</a:t>
             </a:r>
-            <a:endParaRPr lang="en-US" sz="2800">
-              <a:solidFill>
-                <a:schemeClr val="tx1"/>
-              </a:solidFill>
-              <a:latin typeface="Arial" panose="020B0604020202020204" pitchFamily="34" charset="0"/>
-              <a:cs typeface="Arial" panose="020B0604020202020204" pitchFamily="34" charset="0"/>
-            </a:endParaRPr>
           </a:p>
         </p:txBody>
       </p:sp>
@@ -8249,7 +7849,7 @@
           <a:lstStyle/>
           <a:p>
             <a:r>
-              <a:rPr lang="en-US" smtClean="0">
+              <a:rPr lang="en-US">
                 <a:solidFill>
                   <a:schemeClr val="tx1"/>
                 </a:solidFill>
@@ -8270,7 +7870,13 @@
       </p:sp>
       <p:pic>
         <p:nvPicPr>
-          <p:cNvPr id="4" name="Picture 3"/>
+          <p:cNvPr id="5" name="Picture 4">
+            <a:extLst>
+              <a:ext uri="{FF2B5EF4-FFF2-40B4-BE49-F238E27FC236}">
+                <a16:creationId xmlns:a16="http://schemas.microsoft.com/office/drawing/2014/main" id="{E1CBCECF-69AF-4C14-9256-D667177034F1}"/>
+              </a:ext>
+            </a:extLst>
+          </p:cNvPr>
           <p:cNvPicPr>
             <a:picLocks noChangeAspect="1"/>
           </p:cNvPicPr>
@@ -8284,8 +7890,8 @@
         </p:blipFill>
         <p:spPr>
           <a:xfrm>
-            <a:off x="677334" y="2085975"/>
-            <a:ext cx="8324850" cy="4772025"/>
+            <a:off x="1238870" y="2019299"/>
+            <a:ext cx="6772275" cy="4648200"/>
           </a:xfrm>
           <a:prstGeom prst="rect">
             <a:avLst/>
@@ -8302,13 +7908,6 @@
   <p:clrMapOvr>
     <a:masterClrMapping/>
   </p:clrMapOvr>
-  <p:timing>
-    <p:tnLst>
-      <p:par>
-        <p:cTn id="1" dur="indefinite" restart="never" nodeType="tmRoot"/>
-      </p:par>
-    </p:tnLst>
-  </p:timing>
 </p:sld>
 </file>
 

--- a/FINAL_REPORT.pptx
+++ b/FINAL_REPORT.pptx
@@ -6,9 +6,9 @@
   </p:sldMasterIdLst>
   <p:sldIdLst>
     <p:sldId id="256" r:id="rId2"/>
-    <p:sldId id="257" r:id="rId3"/>
-    <p:sldId id="259" r:id="rId4"/>
-    <p:sldId id="258" r:id="rId5"/>
+    <p:sldId id="259" r:id="rId3"/>
+    <p:sldId id="258" r:id="rId4"/>
+    <p:sldId id="257" r:id="rId5"/>
     <p:sldId id="260" r:id="rId6"/>
     <p:sldId id="269" r:id="rId7"/>
     <p:sldId id="264" r:id="rId8"/>
@@ -855,7 +855,7 @@
           <a:p>
             <a:fld id="{13E946C7-01FC-4EF8-A77B-74E28C2F1AC4}" type="datetimeFigureOut">
               <a:rPr lang="en-US" smtClean="0"/>
-              <a:t>2017-12-04</a:t>
+              <a:t>2017-12-05</a:t>
             </a:fld>
             <a:endParaRPr lang="en-US"/>
           </a:p>
@@ -1106,7 +1106,7 @@
           <a:p>
             <a:fld id="{13E946C7-01FC-4EF8-A77B-74E28C2F1AC4}" type="datetimeFigureOut">
               <a:rPr lang="en-US" smtClean="0"/>
-              <a:t>2017-12-04</a:t>
+              <a:t>2017-12-05</a:t>
             </a:fld>
             <a:endParaRPr lang="en-US"/>
           </a:p>
@@ -1420,7 +1420,7 @@
           <a:p>
             <a:fld id="{13E946C7-01FC-4EF8-A77B-74E28C2F1AC4}" type="datetimeFigureOut">
               <a:rPr lang="en-US" smtClean="0"/>
-              <a:t>2017-12-04</a:t>
+              <a:t>2017-12-05</a:t>
             </a:fld>
             <a:endParaRPr lang="en-US"/>
           </a:p>
@@ -1747,7 +1747,7 @@
           <a:p>
             <a:fld id="{13E946C7-01FC-4EF8-A77B-74E28C2F1AC4}" type="datetimeFigureOut">
               <a:rPr lang="en-US" smtClean="0"/>
-              <a:t>2017-12-04</a:t>
+              <a:t>2017-12-05</a:t>
             </a:fld>
             <a:endParaRPr lang="en-US"/>
           </a:p>
@@ -2061,7 +2061,7 @@
           <a:p>
             <a:fld id="{13E946C7-01FC-4EF8-A77B-74E28C2F1AC4}" type="datetimeFigureOut">
               <a:rPr lang="en-US" smtClean="0"/>
-              <a:t>2017-12-04</a:t>
+              <a:t>2017-12-05</a:t>
             </a:fld>
             <a:endParaRPr lang="en-US"/>
           </a:p>
@@ -2448,7 +2448,7 @@
           <a:p>
             <a:fld id="{13E946C7-01FC-4EF8-A77B-74E28C2F1AC4}" type="datetimeFigureOut">
               <a:rPr lang="en-US" smtClean="0"/>
-              <a:t>2017-12-04</a:t>
+              <a:t>2017-12-05</a:t>
             </a:fld>
             <a:endParaRPr lang="en-US"/>
           </a:p>
@@ -2618,7 +2618,7 @@
           <a:p>
             <a:fld id="{13E946C7-01FC-4EF8-A77B-74E28C2F1AC4}" type="datetimeFigureOut">
               <a:rPr lang="en-US" smtClean="0"/>
-              <a:t>2017-12-04</a:t>
+              <a:t>2017-12-05</a:t>
             </a:fld>
             <a:endParaRPr lang="en-US"/>
           </a:p>
@@ -2798,7 +2798,7 @@
           <a:p>
             <a:fld id="{13E946C7-01FC-4EF8-A77B-74E28C2F1AC4}" type="datetimeFigureOut">
               <a:rPr lang="en-US" smtClean="0"/>
-              <a:t>2017-12-04</a:t>
+              <a:t>2017-12-05</a:t>
             </a:fld>
             <a:endParaRPr lang="en-US"/>
           </a:p>
@@ -2968,7 +2968,7 @@
           <a:p>
             <a:fld id="{13E946C7-01FC-4EF8-A77B-74E28C2F1AC4}" type="datetimeFigureOut">
               <a:rPr lang="en-US" smtClean="0"/>
-              <a:t>2017-12-04</a:t>
+              <a:t>2017-12-05</a:t>
             </a:fld>
             <a:endParaRPr lang="en-US"/>
           </a:p>
@@ -3215,7 +3215,7 @@
           <a:p>
             <a:fld id="{13E946C7-01FC-4EF8-A77B-74E28C2F1AC4}" type="datetimeFigureOut">
               <a:rPr lang="en-US" smtClean="0"/>
-              <a:t>2017-12-04</a:t>
+              <a:t>2017-12-05</a:t>
             </a:fld>
             <a:endParaRPr lang="en-US"/>
           </a:p>
@@ -3447,7 +3447,7 @@
           <a:p>
             <a:fld id="{13E946C7-01FC-4EF8-A77B-74E28C2F1AC4}" type="datetimeFigureOut">
               <a:rPr lang="en-US" smtClean="0"/>
-              <a:t>2017-12-04</a:t>
+              <a:t>2017-12-05</a:t>
             </a:fld>
             <a:endParaRPr lang="en-US"/>
           </a:p>
@@ -3821,7 +3821,7 @@
           <a:p>
             <a:fld id="{13E946C7-01FC-4EF8-A77B-74E28C2F1AC4}" type="datetimeFigureOut">
               <a:rPr lang="en-US" smtClean="0"/>
-              <a:t>2017-12-04</a:t>
+              <a:t>2017-12-05</a:t>
             </a:fld>
             <a:endParaRPr lang="en-US"/>
           </a:p>
@@ -3944,7 +3944,7 @@
           <a:p>
             <a:fld id="{13E946C7-01FC-4EF8-A77B-74E28C2F1AC4}" type="datetimeFigureOut">
               <a:rPr lang="en-US" smtClean="0"/>
-              <a:t>2017-12-04</a:t>
+              <a:t>2017-12-05</a:t>
             </a:fld>
             <a:endParaRPr lang="en-US"/>
           </a:p>
@@ -4039,7 +4039,7 @@
           <a:p>
             <a:fld id="{13E946C7-01FC-4EF8-A77B-74E28C2F1AC4}" type="datetimeFigureOut">
               <a:rPr lang="en-US" smtClean="0"/>
-              <a:t>2017-12-04</a:t>
+              <a:t>2017-12-05</a:t>
             </a:fld>
             <a:endParaRPr lang="en-US"/>
           </a:p>
@@ -4294,7 +4294,7 @@
           <a:p>
             <a:fld id="{13E946C7-01FC-4EF8-A77B-74E28C2F1AC4}" type="datetimeFigureOut">
               <a:rPr lang="en-US" smtClean="0"/>
-              <a:t>2017-12-04</a:t>
+              <a:t>2017-12-05</a:t>
             </a:fld>
             <a:endParaRPr lang="en-US"/>
           </a:p>
@@ -4557,7 +4557,7 @@
           <a:p>
             <a:fld id="{13E946C7-01FC-4EF8-A77B-74E28C2F1AC4}" type="datetimeFigureOut">
               <a:rPr lang="en-US" smtClean="0"/>
-              <a:t>2017-12-04</a:t>
+              <a:t>2017-12-05</a:t>
             </a:fld>
             <a:endParaRPr lang="en-US"/>
           </a:p>
@@ -5302,7 +5302,7 @@
           <a:p>
             <a:fld id="{13E946C7-01FC-4EF8-A77B-74E28C2F1AC4}" type="datetimeFigureOut">
               <a:rPr lang="en-US" smtClean="0"/>
-              <a:t>2017-12-04</a:t>
+              <a:t>2017-12-05</a:t>
             </a:fld>
             <a:endParaRPr lang="en-US"/>
           </a:p>
@@ -6632,10 +6632,8 @@
                 <a:latin typeface="Arial" panose="020B0604020202020204" pitchFamily="34" charset="0"/>
                 <a:cs typeface="Arial" panose="020B0604020202020204" pitchFamily="34" charset="0"/>
               </a:rPr>
-              <a:t>Public trên Github</a:t>
-            </a:r>
-          </a:p>
-          <a:p>
+              <a:t>git clone </a:t>
+            </a:r>
             <a:r>
               <a:rPr lang="en-US">
                 <a:solidFill>
@@ -6643,36 +6641,42 @@
                 </a:solidFill>
                 <a:latin typeface="Arial" panose="020B0604020202020204" pitchFamily="34" charset="0"/>
                 <a:cs typeface="Arial" panose="020B0604020202020204" pitchFamily="34" charset="0"/>
+                <a:hlinkClick r:id="rId2"/>
               </a:rPr>
-              <a:t>git clone </a:t>
-            </a:r>
-            <a:r>
-              <a:rPr lang="en-US">
-                <a:solidFill>
-                  <a:srgbClr val="FF0000"/>
-                </a:solidFill>
-                <a:latin typeface="Arial" panose="020B0604020202020204" pitchFamily="34" charset="0"/>
-                <a:cs typeface="Arial" panose="020B0604020202020204" pitchFamily="34" charset="0"/>
-              </a:rPr>
-              <a:t>https://github.com/moonlight8978/network_programming_20171</a:t>
-            </a:r>
-            <a:r>
-              <a:rPr lang="en-US">
-                <a:solidFill>
-                  <a:schemeClr val="tx1"/>
-                </a:solidFill>
-                <a:latin typeface="Arial" panose="020B0604020202020204" pitchFamily="34" charset="0"/>
-                <a:cs typeface="Arial" panose="020B0604020202020204" pitchFamily="34" charset="0"/>
-              </a:rPr>
-              <a:t>.git</a:t>
-            </a:r>
-            <a:endParaRPr lang="en-US" sz="1800">
+              <a:t>https://github.com/moonlight8978/network_programming_20171.git</a:t>
+            </a:r>
+            <a:endParaRPr lang="en-US">
               <a:solidFill>
                 <a:schemeClr val="tx1"/>
               </a:solidFill>
               <a:latin typeface="Arial" panose="020B0604020202020204" pitchFamily="34" charset="0"/>
               <a:cs typeface="Arial" panose="020B0604020202020204" pitchFamily="34" charset="0"/>
             </a:endParaRPr>
+          </a:p>
+          <a:p>
+            <a:r>
+              <a:rPr lang="en-US">
+                <a:solidFill>
+                  <a:schemeClr val="tx1"/>
+                </a:solidFill>
+                <a:latin typeface="Arial" panose="020B0604020202020204" pitchFamily="34" charset="0"/>
+                <a:cs typeface="Arial" panose="020B0604020202020204" pitchFamily="34" charset="0"/>
+              </a:rPr>
+              <a:t>Dependencies:</a:t>
+            </a:r>
+          </a:p>
+          <a:p>
+            <a:pPr lvl="1"/>
+            <a:r>
+              <a:rPr lang="en-US">
+                <a:solidFill>
+                  <a:schemeClr val="tx1"/>
+                </a:solidFill>
+                <a:latin typeface="Arial" panose="020B0604020202020204" pitchFamily="34" charset="0"/>
+                <a:cs typeface="Arial" panose="020B0604020202020204" pitchFamily="34" charset="0"/>
+              </a:rPr>
+              <a:t>http-server (npm install -g http-server)</a:t>
+            </a:r>
           </a:p>
         </p:txBody>
       </p:sp>
@@ -6845,7 +6849,7 @@
                 <a:latin typeface="Arial" panose="020B0604020202020204" pitchFamily="34" charset="0"/>
                 <a:cs typeface="Arial" panose="020B0604020202020204" pitchFamily="34" charset="0"/>
               </a:rPr>
-              <a:t>Phân chia công việc</a:t>
+              <a:t>Tham khảo</a:t>
             </a:r>
           </a:p>
         </p:txBody>
@@ -6863,7 +6867,7 @@
         <p:spPr>
           <a:xfrm>
             <a:off x="677334" y="1559697"/>
-            <a:ext cx="8596668" cy="4736600"/>
+            <a:ext cx="8596668" cy="3880773"/>
           </a:xfrm>
         </p:spPr>
         <p:txBody>
@@ -6873,124 +6877,58 @@
           <a:lstStyle/>
           <a:p>
             <a:r>
-              <a:rPr lang="en-US" sz="2000">
+              <a:rPr lang="en-US">
                 <a:solidFill>
                   <a:schemeClr val="tx1"/>
                 </a:solidFill>
                 <a:latin typeface="Arial" panose="020B0604020202020204" pitchFamily="34" charset="0"/>
                 <a:cs typeface="Arial" panose="020B0604020202020204" pitchFamily="34" charset="0"/>
               </a:rPr>
-              <a:t>Lê Sĩ Bích: </a:t>
-            </a:r>
-          </a:p>
-          <a:p>
-            <a:pPr lvl="1"/>
-            <a:r>
-              <a:rPr lang="en-US" sz="1800">
+              <a:t>Slide Lập trình mạng – thầy Nguyễn Bá Vui</a:t>
+            </a:r>
+          </a:p>
+          <a:p>
+            <a:r>
+              <a:rPr lang="en-US">
                 <a:solidFill>
                   <a:schemeClr val="tx1"/>
                 </a:solidFill>
                 <a:latin typeface="Arial" panose="020B0604020202020204" pitchFamily="34" charset="0"/>
                 <a:cs typeface="Arial" panose="020B0604020202020204" pitchFamily="34" charset="0"/>
               </a:rPr>
-              <a:t>Xây dựng cấu trúc chương trình, hỗ trợ đa kết nối (Thread)</a:t>
-            </a:r>
-          </a:p>
-          <a:p>
-            <a:pPr lvl="1"/>
-            <a:r>
-              <a:rPr lang="en-US" sz="1800">
+              <a:t>Web framework mã nguồn mở Ruby on Rails: </a:t>
+            </a:r>
+          </a:p>
+          <a:p>
+            <a:pPr marL="0" indent="0">
+              <a:buNone/>
+            </a:pPr>
+            <a:r>
+              <a:rPr lang="en-US">
                 <a:solidFill>
                   <a:schemeClr val="tx1"/>
                 </a:solidFill>
                 <a:latin typeface="Arial" panose="020B0604020202020204" pitchFamily="34" charset="0"/>
                 <a:cs typeface="Arial" panose="020B0604020202020204" pitchFamily="34" charset="0"/>
               </a:rPr>
-              <a:t>Tách chuỗi request (thô), định tuyến (routing)</a:t>
-            </a:r>
-          </a:p>
-          <a:p>
-            <a:pPr lvl="1"/>
-            <a:r>
-              <a:rPr lang="en-US" sz="1800">
-                <a:solidFill>
-                  <a:schemeClr val="tx1"/>
-                </a:solidFill>
-                <a:latin typeface="Arial" panose="020B0604020202020204" pitchFamily="34" charset="0"/>
-                <a:cs typeface="Arial" panose="020B0604020202020204" pitchFamily="34" charset="0"/>
-              </a:rPr>
-              <a:t>truy vấn file, ghi file</a:t>
-            </a:r>
-          </a:p>
-          <a:p>
-            <a:r>
-              <a:rPr lang="en-US" sz="2000">
-                <a:solidFill>
-                  <a:schemeClr val="tx1"/>
-                </a:solidFill>
-                <a:latin typeface="Arial" panose="020B0604020202020204" pitchFamily="34" charset="0"/>
-                <a:cs typeface="Arial" panose="020B0604020202020204" pitchFamily="34" charset="0"/>
-              </a:rPr>
-              <a:t>Phạm Sỹ Bằng: </a:t>
-            </a:r>
-          </a:p>
-          <a:p>
-            <a:pPr lvl="1"/>
-            <a:r>
-              <a:rPr lang="en-US" sz="1800">
-                <a:solidFill>
-                  <a:schemeClr val="tx1"/>
-                </a:solidFill>
-                <a:latin typeface="Arial" panose="020B0604020202020204" pitchFamily="34" charset="0"/>
-                <a:cs typeface="Arial" panose="020B0604020202020204" pitchFamily="34" charset="0"/>
-              </a:rPr>
-              <a:t>Ghi nhật ký (IP, Thời gian kết nối đến)</a:t>
-            </a:r>
-          </a:p>
-          <a:p>
-            <a:r>
-              <a:rPr lang="en-US" sz="2000">
-                <a:solidFill>
-                  <a:schemeClr val="tx1"/>
-                </a:solidFill>
-                <a:latin typeface="Arial" panose="020B0604020202020204" pitchFamily="34" charset="0"/>
-                <a:cs typeface="Arial" panose="020B0604020202020204" pitchFamily="34" charset="0"/>
-              </a:rPr>
-              <a:t>Trịnh Bá Huy: các hàm liên quan đến tách chuỗi lấy giá trị</a:t>
-            </a:r>
-          </a:p>
-          <a:p>
-            <a:pPr lvl="1"/>
-            <a:r>
-              <a:rPr lang="en-US" sz="1800">
-                <a:solidFill>
-                  <a:schemeClr val="tx1"/>
-                </a:solidFill>
-                <a:latin typeface="Arial" panose="020B0604020202020204" pitchFamily="34" charset="0"/>
-                <a:cs typeface="Arial" panose="020B0604020202020204" pitchFamily="34" charset="0"/>
-              </a:rPr>
-              <a:t>Tách chuỗi request: method, path, HTTP version, params truy vấn.</a:t>
-            </a:r>
-          </a:p>
-          <a:p>
-            <a:pPr lvl="1"/>
-            <a:r>
-              <a:rPr lang="en-US" sz="1800">
-                <a:solidFill>
-                  <a:schemeClr val="tx1"/>
-                </a:solidFill>
-                <a:latin typeface="Arial" panose="020B0604020202020204" pitchFamily="34" charset="0"/>
-                <a:cs typeface="Arial" panose="020B0604020202020204" pitchFamily="34" charset="0"/>
-              </a:rPr>
-              <a:t>Viết hàm lấy giá trị header theo tên trường</a:t>
-            </a:r>
+              <a:t>      https://github.com/rails/rails</a:t>
+            </a:r>
+          </a:p>
+          <a:p>
+            <a:endParaRPr lang="en-US" sz="1800">
+              <a:solidFill>
+                <a:schemeClr val="tx1"/>
+              </a:solidFill>
+              <a:latin typeface="Arial" panose="020B0604020202020204" pitchFamily="34" charset="0"/>
+              <a:cs typeface="Arial" panose="020B0604020202020204" pitchFamily="34" charset="0"/>
+            </a:endParaRPr>
           </a:p>
         </p:txBody>
       </p:sp>
     </p:spTree>
     <p:extLst>
       <p:ext uri="{BB962C8B-B14F-4D97-AF65-F5344CB8AC3E}">
-        <p14:creationId xmlns:p14="http://schemas.microsoft.com/office/powerpoint/2010/main" val="3164543488"/>
+        <p14:creationId xmlns:p14="http://schemas.microsoft.com/office/powerpoint/2010/main" val="3883191311"/>
       </p:ext>
     </p:extLst>
   </p:cSld>
@@ -7047,86 +6985,50 @@
                 <a:latin typeface="Arial" panose="020B0604020202020204" pitchFamily="34" charset="0"/>
                 <a:cs typeface="Arial" panose="020B0604020202020204" pitchFamily="34" charset="0"/>
               </a:rPr>
-              <a:t>Tham khảo</a:t>
-            </a:r>
-          </a:p>
-        </p:txBody>
-      </p:sp>
-      <p:sp>
-        <p:nvSpPr>
-          <p:cNvPr id="3" name="Content Placeholder 2"/>
-          <p:cNvSpPr>
-            <a:spLocks noGrp="1"/>
-          </p:cNvSpPr>
+              <a:t>Sơ đồ khối</a:t>
+            </a:r>
+          </a:p>
+        </p:txBody>
+      </p:sp>
+      <p:pic>
+        <p:nvPicPr>
+          <p:cNvPr id="7" name="Content Placeholder 6">
+            <a:extLst>
+              <a:ext uri="{FF2B5EF4-FFF2-40B4-BE49-F238E27FC236}">
+                <a16:creationId xmlns:a16="http://schemas.microsoft.com/office/drawing/2014/main" id="{79E67C9B-BE44-42D1-9E1B-38AF23D2EBE5}"/>
+              </a:ext>
+            </a:extLst>
+          </p:cNvPr>
+          <p:cNvPicPr>
+            <a:picLocks noGrp="1" noChangeAspect="1"/>
+          </p:cNvPicPr>
           <p:nvPr>
             <p:ph idx="1"/>
           </p:nvPr>
-        </p:nvSpPr>
+        </p:nvPicPr>
+        <p:blipFill>
+          <a:blip r:embed="rId2">
+            <a:extLst>
+              <a:ext uri="{28A0092B-C50C-407E-A947-70E740481C1C}">
+                <a14:useLocalDpi xmlns:a14="http://schemas.microsoft.com/office/drawing/2010/main" val="0"/>
+              </a:ext>
+            </a:extLst>
+          </a:blip>
+          <a:stretch>
+            <a:fillRect/>
+          </a:stretch>
+        </p:blipFill>
         <p:spPr>
           <a:xfrm>
-            <a:off x="677334" y="1559697"/>
-            <a:ext cx="8596668" cy="3880773"/>
+            <a:off x="1566759" y="1191634"/>
+            <a:ext cx="6742354" cy="5056766"/>
           </a:xfrm>
         </p:spPr>
-        <p:txBody>
-          <a:bodyPr>
-            <a:normAutofit/>
-          </a:bodyPr>
-          <a:lstStyle/>
-          <a:p>
-            <a:r>
-              <a:rPr lang="en-US">
-                <a:solidFill>
-                  <a:schemeClr val="tx1"/>
-                </a:solidFill>
-                <a:latin typeface="Arial" panose="020B0604020202020204" pitchFamily="34" charset="0"/>
-                <a:cs typeface="Arial" panose="020B0604020202020204" pitchFamily="34" charset="0"/>
-              </a:rPr>
-              <a:t>Slide Lập trình mạng – thầy Nguyễn Bá Vui</a:t>
-            </a:r>
-          </a:p>
-          <a:p>
-            <a:r>
-              <a:rPr lang="en-US">
-                <a:solidFill>
-                  <a:schemeClr val="tx1"/>
-                </a:solidFill>
-                <a:latin typeface="Arial" panose="020B0604020202020204" pitchFamily="34" charset="0"/>
-                <a:cs typeface="Arial" panose="020B0604020202020204" pitchFamily="34" charset="0"/>
-              </a:rPr>
-              <a:t>Web framework mã nguồn mở Ruby on Rails: </a:t>
-            </a:r>
-          </a:p>
-          <a:p>
-            <a:pPr marL="0" indent="0">
-              <a:buNone/>
-            </a:pPr>
-            <a:r>
-              <a:rPr lang="en-US">
-                <a:solidFill>
-                  <a:schemeClr val="tx1"/>
-                </a:solidFill>
-                <a:latin typeface="Arial" panose="020B0604020202020204" pitchFamily="34" charset="0"/>
-                <a:cs typeface="Arial" panose="020B0604020202020204" pitchFamily="34" charset="0"/>
-              </a:rPr>
-              <a:t>      https://github.com/rails/rails</a:t>
-            </a:r>
-          </a:p>
-          <a:p>
-            <a:endParaRPr lang="en-US" sz="1800">
-              <a:solidFill>
-                <a:schemeClr val="tx1"/>
-              </a:solidFill>
-              <a:latin typeface="Arial" panose="020B0604020202020204" pitchFamily="34" charset="0"/>
-              <a:cs typeface="Arial" panose="020B0604020202020204" pitchFamily="34" charset="0"/>
-            </a:endParaRPr>
-          </a:p>
-        </p:txBody>
-      </p:sp>
+      </p:pic>
     </p:spTree>
     <p:extLst>
       <p:ext uri="{BB962C8B-B14F-4D97-AF65-F5344CB8AC3E}">
-        <p14:creationId xmlns:p14="http://schemas.microsoft.com/office/powerpoint/2010/main" val="3883191311"/>
+        <p14:creationId xmlns:p14="http://schemas.microsoft.com/office/powerpoint/2010/main" val="2613832187"/>
       </p:ext>
     </p:extLst>
   </p:cSld>
@@ -7183,44 +7085,100 @@
                 <a:latin typeface="Arial" panose="020B0604020202020204" pitchFamily="34" charset="0"/>
                 <a:cs typeface="Arial" panose="020B0604020202020204" pitchFamily="34" charset="0"/>
               </a:rPr>
-              <a:t>Sơ đồ khối</a:t>
-            </a:r>
-          </a:p>
-        </p:txBody>
-      </p:sp>
-      <p:pic>
-        <p:nvPicPr>
-          <p:cNvPr id="4" name="Content Placeholder 3"/>
-          <p:cNvPicPr>
-            <a:picLocks noGrp="1" noChangeAspect="1"/>
-          </p:cNvPicPr>
+              <a:t>Phân chia công việc</a:t>
+            </a:r>
+          </a:p>
+        </p:txBody>
+      </p:sp>
+      <p:sp>
+        <p:nvSpPr>
+          <p:cNvPr id="3" name="Content Placeholder 2"/>
+          <p:cNvSpPr>
+            <a:spLocks noGrp="1"/>
+          </p:cNvSpPr>
           <p:nvPr>
             <p:ph idx="1"/>
           </p:nvPr>
-        </p:nvPicPr>
-        <p:blipFill>
-          <a:blip r:embed="rId2">
-            <a:extLst>
-              <a:ext uri="{28A0092B-C50C-407E-A947-70E740481C1C}">
-                <a14:useLocalDpi xmlns:a14="http://schemas.microsoft.com/office/drawing/2010/main" val="0"/>
-              </a:ext>
-            </a:extLst>
-          </a:blip>
-          <a:stretch>
-            <a:fillRect/>
-          </a:stretch>
-        </p:blipFill>
+        </p:nvSpPr>
         <p:spPr>
           <a:xfrm>
-            <a:off x="1683828" y="1280160"/>
-            <a:ext cx="6583680" cy="4937761"/>
+            <a:off x="677334" y="1559697"/>
+            <a:ext cx="8596668" cy="4736600"/>
           </a:xfrm>
         </p:spPr>
-      </p:pic>
+        <p:txBody>
+          <a:bodyPr>
+            <a:normAutofit/>
+          </a:bodyPr>
+          <a:lstStyle/>
+          <a:p>
+            <a:r>
+              <a:rPr lang="en-US" sz="2000">
+                <a:solidFill>
+                  <a:schemeClr val="tx1"/>
+                </a:solidFill>
+                <a:latin typeface="Arial" panose="020B0604020202020204" pitchFamily="34" charset="0"/>
+                <a:cs typeface="Arial" panose="020B0604020202020204" pitchFamily="34" charset="0"/>
+              </a:rPr>
+              <a:t>Phạm Sỹ Bằng: Ghi nhật ký (IP Thời gian)</a:t>
+            </a:r>
+          </a:p>
+          <a:p>
+            <a:r>
+              <a:rPr lang="en-US" sz="2000">
+                <a:solidFill>
+                  <a:schemeClr val="tx1"/>
+                </a:solidFill>
+                <a:latin typeface="Arial" panose="020B0604020202020204" pitchFamily="34" charset="0"/>
+                <a:cs typeface="Arial" panose="020B0604020202020204" pitchFamily="34" charset="0"/>
+              </a:rPr>
+              <a:t>Trịnh Bá Huy: các hàm liên quan đến tách chuỗi lấy giá trị</a:t>
+            </a:r>
+          </a:p>
+          <a:p>
+            <a:pPr lvl="1"/>
+            <a:r>
+              <a:rPr lang="en-US" sz="1800">
+                <a:solidFill>
+                  <a:schemeClr val="tx1"/>
+                </a:solidFill>
+                <a:latin typeface="Arial" panose="020B0604020202020204" pitchFamily="34" charset="0"/>
+                <a:cs typeface="Arial" panose="020B0604020202020204" pitchFamily="34" charset="0"/>
+              </a:rPr>
+              <a:t>Tách chuỗi request: method, path, HTTP version, params truy vấn.</a:t>
+            </a:r>
+          </a:p>
+          <a:p>
+            <a:pPr lvl="1"/>
+            <a:r>
+              <a:rPr lang="en-US" sz="1800">
+                <a:solidFill>
+                  <a:schemeClr val="tx1"/>
+                </a:solidFill>
+                <a:latin typeface="Arial" panose="020B0604020202020204" pitchFamily="34" charset="0"/>
+                <a:cs typeface="Arial" panose="020B0604020202020204" pitchFamily="34" charset="0"/>
+              </a:rPr>
+              <a:t>Viết hàm lấy giá trị header theo tên trường</a:t>
+            </a:r>
+          </a:p>
+          <a:p>
+            <a:r>
+              <a:rPr lang="en-US" sz="2000">
+                <a:solidFill>
+                  <a:schemeClr val="tx1"/>
+                </a:solidFill>
+                <a:latin typeface="Arial" panose="020B0604020202020204" pitchFamily="34" charset="0"/>
+                <a:cs typeface="Arial" panose="020B0604020202020204" pitchFamily="34" charset="0"/>
+              </a:rPr>
+              <a:t>Lê Sĩ Bích: phần còn lại</a:t>
+            </a:r>
+          </a:p>
+        </p:txBody>
+      </p:sp>
     </p:spTree>
     <p:extLst>
       <p:ext uri="{BB962C8B-B14F-4D97-AF65-F5344CB8AC3E}">
-        <p14:creationId xmlns:p14="http://schemas.microsoft.com/office/powerpoint/2010/main" val="2613832187"/>
+        <p14:creationId xmlns:p14="http://schemas.microsoft.com/office/powerpoint/2010/main" val="3164543488"/>
       </p:ext>
     </p:extLst>
   </p:cSld>
